--- a/doc/schema/schematic_plot.pptx
+++ b/doc/schema/schematic_plot.pptx
@@ -105,7 +105,41 @@
       </a:defRPr>
     </a:lvl9pPr>
   </p:defaultTextStyle>
+  <p:extLst>
+    <p:ext uri="{EFAFB233-063F-42B5-8137-9DF3F51BA10A}">
+      <p15:sldGuideLst xmlns:p15="http://schemas.microsoft.com/office/powerpoint/2012/main"/>
+    </p:ext>
+  </p:extLst>
 </p:presentation>
+</file>
+
+<file path=ppt/changesInfos/changesInfo1.xml><?xml version="1.0" encoding="utf-8"?>
+<pc:chgInfo xmlns:a="http://schemas.openxmlformats.org/drawingml/2006/main" xmlns:r="http://schemas.openxmlformats.org/officeDocument/2006/relationships" xmlns:ac="http://schemas.microsoft.com/office/drawing/2013/main/command" xmlns:pc="http://schemas.microsoft.com/office/powerpoint/2013/main/command">
+  <pc:docChgLst>
+    <pc:chgData name="Timo Luebbing" userId="3558e4686926b9e5" providerId="LiveId" clId="{0A7B036E-1DF5-4F0B-825A-ADB06D805479}"/>
+    <pc:docChg chg="modSld">
+      <pc:chgData name="Timo Luebbing" userId="3558e4686926b9e5" providerId="LiveId" clId="{0A7B036E-1DF5-4F0B-825A-ADB06D805479}" dt="2024-01-23T08:54:30.634" v="1" actId="1076"/>
+      <pc:docMkLst>
+        <pc:docMk/>
+      </pc:docMkLst>
+      <pc:sldChg chg="modSp mod">
+        <pc:chgData name="Timo Luebbing" userId="3558e4686926b9e5" providerId="LiveId" clId="{0A7B036E-1DF5-4F0B-825A-ADB06D805479}" dt="2024-01-23T08:54:30.634" v="1" actId="1076"/>
+        <pc:sldMkLst>
+          <pc:docMk/>
+          <pc:sldMk cId="2058230907" sldId="257"/>
+        </pc:sldMkLst>
+        <pc:picChg chg="mod">
+          <ac:chgData name="Timo Luebbing" userId="3558e4686926b9e5" providerId="LiveId" clId="{0A7B036E-1DF5-4F0B-825A-ADB06D805479}" dt="2024-01-23T08:54:30.634" v="1" actId="1076"/>
+          <ac:picMkLst>
+            <pc:docMk/>
+            <pc:sldMk cId="2058230907" sldId="257"/>
+            <ac:picMk id="36" creationId="{0B9B728D-A777-3440-34F5-BD2833E035E8}"/>
+          </ac:picMkLst>
+        </pc:picChg>
+      </pc:sldChg>
+    </pc:docChg>
+  </pc:docChgLst>
+</pc:chgInfo>
 </file>
 
 <file path=ppt/slideLayouts/slideLayout1.xml><?xml version="1.0" encoding="utf-8"?>
@@ -257,7 +291,7 @@
           <a:p>
             <a:fld id="{15E051AD-6864-4CE5-A7E8-B2ED4A549806}" type="datetimeFigureOut">
               <a:rPr lang="en-US" smtClean="0"/>
-              <a:t>1/15/2024</a:t>
+              <a:t>1/23/2024</a:t>
             </a:fld>
             <a:endParaRPr lang="en-US"/>
           </a:p>
@@ -457,7 +491,7 @@
           <a:p>
             <a:fld id="{15E051AD-6864-4CE5-A7E8-B2ED4A549806}" type="datetimeFigureOut">
               <a:rPr lang="en-US" smtClean="0"/>
-              <a:t>1/15/2024</a:t>
+              <a:t>1/23/2024</a:t>
             </a:fld>
             <a:endParaRPr lang="en-US"/>
           </a:p>
@@ -667,7 +701,7 @@
           <a:p>
             <a:fld id="{15E051AD-6864-4CE5-A7E8-B2ED4A549806}" type="datetimeFigureOut">
               <a:rPr lang="en-US" smtClean="0"/>
-              <a:t>1/15/2024</a:t>
+              <a:t>1/23/2024</a:t>
             </a:fld>
             <a:endParaRPr lang="en-US"/>
           </a:p>
@@ -867,7 +901,7 @@
           <a:p>
             <a:fld id="{15E051AD-6864-4CE5-A7E8-B2ED4A549806}" type="datetimeFigureOut">
               <a:rPr lang="en-US" smtClean="0"/>
-              <a:t>1/15/2024</a:t>
+              <a:t>1/23/2024</a:t>
             </a:fld>
             <a:endParaRPr lang="en-US"/>
           </a:p>
@@ -1143,7 +1177,7 @@
           <a:p>
             <a:fld id="{15E051AD-6864-4CE5-A7E8-B2ED4A549806}" type="datetimeFigureOut">
               <a:rPr lang="en-US" smtClean="0"/>
-              <a:t>1/15/2024</a:t>
+              <a:t>1/23/2024</a:t>
             </a:fld>
             <a:endParaRPr lang="en-US"/>
           </a:p>
@@ -1411,7 +1445,7 @@
           <a:p>
             <a:fld id="{15E051AD-6864-4CE5-A7E8-B2ED4A549806}" type="datetimeFigureOut">
               <a:rPr lang="en-US" smtClean="0"/>
-              <a:t>1/15/2024</a:t>
+              <a:t>1/23/2024</a:t>
             </a:fld>
             <a:endParaRPr lang="en-US"/>
           </a:p>
@@ -1826,7 +1860,7 @@
           <a:p>
             <a:fld id="{15E051AD-6864-4CE5-A7E8-B2ED4A549806}" type="datetimeFigureOut">
               <a:rPr lang="en-US" smtClean="0"/>
-              <a:t>1/15/2024</a:t>
+              <a:t>1/23/2024</a:t>
             </a:fld>
             <a:endParaRPr lang="en-US"/>
           </a:p>
@@ -1968,7 +2002,7 @@
           <a:p>
             <a:fld id="{15E051AD-6864-4CE5-A7E8-B2ED4A549806}" type="datetimeFigureOut">
               <a:rPr lang="en-US" smtClean="0"/>
-              <a:t>1/15/2024</a:t>
+              <a:t>1/23/2024</a:t>
             </a:fld>
             <a:endParaRPr lang="en-US"/>
           </a:p>
@@ -2081,7 +2115,7 @@
           <a:p>
             <a:fld id="{15E051AD-6864-4CE5-A7E8-B2ED4A549806}" type="datetimeFigureOut">
               <a:rPr lang="en-US" smtClean="0"/>
-              <a:t>1/15/2024</a:t>
+              <a:t>1/23/2024</a:t>
             </a:fld>
             <a:endParaRPr lang="en-US"/>
           </a:p>
@@ -2394,7 +2428,7 @@
           <a:p>
             <a:fld id="{15E051AD-6864-4CE5-A7E8-B2ED4A549806}" type="datetimeFigureOut">
               <a:rPr lang="en-US" smtClean="0"/>
-              <a:t>1/15/2024</a:t>
+              <a:t>1/23/2024</a:t>
             </a:fld>
             <a:endParaRPr lang="en-US"/>
           </a:p>
@@ -2683,7 +2717,7 @@
           <a:p>
             <a:fld id="{15E051AD-6864-4CE5-A7E8-B2ED4A549806}" type="datetimeFigureOut">
               <a:rPr lang="en-US" smtClean="0"/>
-              <a:t>1/15/2024</a:t>
+              <a:t>1/23/2024</a:t>
             </a:fld>
             <a:endParaRPr lang="en-US"/>
           </a:p>
@@ -2926,7 +2960,7 @@
           <a:p>
             <a:fld id="{15E051AD-6864-4CE5-A7E8-B2ED4A549806}" type="datetimeFigureOut">
               <a:rPr lang="en-US" smtClean="0"/>
-              <a:t>1/15/2024</a:t>
+              <a:t>1/23/2024</a:t>
             </a:fld>
             <a:endParaRPr lang="en-US"/>
           </a:p>
@@ -4069,7 +4103,7 @@
         </p:blipFill>
         <p:spPr>
           <a:xfrm>
-            <a:off x="4716380" y="539015"/>
+            <a:off x="4008355" y="580290"/>
             <a:ext cx="4244740" cy="4292867"/>
           </a:xfrm>
           <a:prstGeom prst="rect">

--- a/doc/schema/schematic_plot.pptx
+++ b/doc/schema/schematic_plot.pptx
@@ -5,8 +5,9 @@
     <p:sldMasterId id="2147483648" r:id="rId1"/>
   </p:sldMasterIdLst>
   <p:sldIdLst>
-    <p:sldId id="256" r:id="rId2"/>
-    <p:sldId id="257" r:id="rId3"/>
+    <p:sldId id="262" r:id="rId2"/>
+    <p:sldId id="258" r:id="rId3"/>
+    <p:sldId id="259" r:id="rId4"/>
   </p:sldIdLst>
   <p:sldSz cx="12192000" cy="6858000"/>
   <p:notesSz cx="6858000" cy="9144000"/>
@@ -116,26 +117,42 @@
 <file path=ppt/changesInfos/changesInfo1.xml><?xml version="1.0" encoding="utf-8"?>
 <pc:chgInfo xmlns:a="http://schemas.openxmlformats.org/drawingml/2006/main" xmlns:r="http://schemas.openxmlformats.org/officeDocument/2006/relationships" xmlns:ac="http://schemas.microsoft.com/office/drawing/2013/main/command" xmlns:pc="http://schemas.microsoft.com/office/powerpoint/2013/main/command">
   <pc:docChgLst>
-    <pc:chgData name="Timo Luebbing" userId="3558e4686926b9e5" providerId="LiveId" clId="{0A7B036E-1DF5-4F0B-825A-ADB06D805479}"/>
+    <pc:chgData name="Timo Luebbing" userId="3558e4686926b9e5" providerId="LiveId" clId="{798F5FF0-1758-4D30-ABCC-350A40410716}"/>
     <pc:docChg chg="modSld">
-      <pc:chgData name="Timo Luebbing" userId="3558e4686926b9e5" providerId="LiveId" clId="{0A7B036E-1DF5-4F0B-825A-ADB06D805479}" dt="2024-01-23T08:54:30.634" v="1" actId="1076"/>
+      <pc:chgData name="Timo Luebbing" userId="3558e4686926b9e5" providerId="LiveId" clId="{798F5FF0-1758-4D30-ABCC-350A40410716}" dt="2024-01-16T11:58:36.905" v="18" actId="113"/>
       <pc:docMkLst>
         <pc:docMk/>
       </pc:docMkLst>
       <pc:sldChg chg="modSp mod">
-        <pc:chgData name="Timo Luebbing" userId="3558e4686926b9e5" providerId="LiveId" clId="{0A7B036E-1DF5-4F0B-825A-ADB06D805479}" dt="2024-01-23T08:54:30.634" v="1" actId="1076"/>
+        <pc:chgData name="Timo Luebbing" userId="3558e4686926b9e5" providerId="LiveId" clId="{798F5FF0-1758-4D30-ABCC-350A40410716}" dt="2024-01-16T11:58:36.905" v="18" actId="113"/>
         <pc:sldMkLst>
           <pc:docMk/>
-          <pc:sldMk cId="2058230907" sldId="257"/>
+          <pc:sldMk cId="3948160977" sldId="256"/>
         </pc:sldMkLst>
-        <pc:picChg chg="mod">
-          <ac:chgData name="Timo Luebbing" userId="3558e4686926b9e5" providerId="LiveId" clId="{0A7B036E-1DF5-4F0B-825A-ADB06D805479}" dt="2024-01-23T08:54:30.634" v="1" actId="1076"/>
-          <ac:picMkLst>
+        <pc:spChg chg="mod">
+          <ac:chgData name="Timo Luebbing" userId="3558e4686926b9e5" providerId="LiveId" clId="{798F5FF0-1758-4D30-ABCC-350A40410716}" dt="2024-01-16T11:56:46.566" v="9" actId="1076"/>
+          <ac:spMkLst>
             <pc:docMk/>
-            <pc:sldMk cId="2058230907" sldId="257"/>
-            <ac:picMk id="36" creationId="{0B9B728D-A777-3440-34F5-BD2833E035E8}"/>
-          </ac:picMkLst>
-        </pc:picChg>
+            <pc:sldMk cId="3948160977" sldId="256"/>
+            <ac:spMk id="95" creationId="{4BAB289C-338E-D187-0D23-56EB87272BC9}"/>
+          </ac:spMkLst>
+        </pc:spChg>
+        <pc:spChg chg="mod">
+          <ac:chgData name="Timo Luebbing" userId="3558e4686926b9e5" providerId="LiveId" clId="{798F5FF0-1758-4D30-ABCC-350A40410716}" dt="2024-01-16T11:58:36.905" v="18" actId="113"/>
+          <ac:spMkLst>
+            <pc:docMk/>
+            <pc:sldMk cId="3948160977" sldId="256"/>
+            <ac:spMk id="96" creationId="{6B59233C-3899-6AF5-17E5-3E0CFD0FCB64}"/>
+          </ac:spMkLst>
+        </pc:spChg>
+        <pc:cxnChg chg="mod">
+          <ac:chgData name="Timo Luebbing" userId="3558e4686926b9e5" providerId="LiveId" clId="{798F5FF0-1758-4D30-ABCC-350A40410716}" dt="2024-01-16T11:57:52.819" v="17" actId="208"/>
+          <ac:cxnSpMkLst>
+            <pc:docMk/>
+            <pc:sldMk cId="3948160977" sldId="256"/>
+            <ac:cxnSpMk id="8" creationId="{8D47468F-9B08-D632-678F-169F53FD2FE5}"/>
+          </ac:cxnSpMkLst>
+        </pc:cxnChg>
       </pc:sldChg>
     </pc:docChg>
   </pc:docChgLst>
@@ -291,7 +308,7 @@
           <a:p>
             <a:fld id="{15E051AD-6864-4CE5-A7E8-B2ED4A549806}" type="datetimeFigureOut">
               <a:rPr lang="en-US" smtClean="0"/>
-              <a:t>1/23/2024</a:t>
+              <a:t>1/24/2024</a:t>
             </a:fld>
             <a:endParaRPr lang="en-US"/>
           </a:p>
@@ -491,7 +508,7 @@
           <a:p>
             <a:fld id="{15E051AD-6864-4CE5-A7E8-B2ED4A549806}" type="datetimeFigureOut">
               <a:rPr lang="en-US" smtClean="0"/>
-              <a:t>1/23/2024</a:t>
+              <a:t>1/24/2024</a:t>
             </a:fld>
             <a:endParaRPr lang="en-US"/>
           </a:p>
@@ -701,7 +718,7 @@
           <a:p>
             <a:fld id="{15E051AD-6864-4CE5-A7E8-B2ED4A549806}" type="datetimeFigureOut">
               <a:rPr lang="en-US" smtClean="0"/>
-              <a:t>1/23/2024</a:t>
+              <a:t>1/24/2024</a:t>
             </a:fld>
             <a:endParaRPr lang="en-US"/>
           </a:p>
@@ -901,7 +918,7 @@
           <a:p>
             <a:fld id="{15E051AD-6864-4CE5-A7E8-B2ED4A549806}" type="datetimeFigureOut">
               <a:rPr lang="en-US" smtClean="0"/>
-              <a:t>1/23/2024</a:t>
+              <a:t>1/24/2024</a:t>
             </a:fld>
             <a:endParaRPr lang="en-US"/>
           </a:p>
@@ -1177,7 +1194,7 @@
           <a:p>
             <a:fld id="{15E051AD-6864-4CE5-A7E8-B2ED4A549806}" type="datetimeFigureOut">
               <a:rPr lang="en-US" smtClean="0"/>
-              <a:t>1/23/2024</a:t>
+              <a:t>1/24/2024</a:t>
             </a:fld>
             <a:endParaRPr lang="en-US"/>
           </a:p>
@@ -1445,7 +1462,7 @@
           <a:p>
             <a:fld id="{15E051AD-6864-4CE5-A7E8-B2ED4A549806}" type="datetimeFigureOut">
               <a:rPr lang="en-US" smtClean="0"/>
-              <a:t>1/23/2024</a:t>
+              <a:t>1/24/2024</a:t>
             </a:fld>
             <a:endParaRPr lang="en-US"/>
           </a:p>
@@ -1860,7 +1877,7 @@
           <a:p>
             <a:fld id="{15E051AD-6864-4CE5-A7E8-B2ED4A549806}" type="datetimeFigureOut">
               <a:rPr lang="en-US" smtClean="0"/>
-              <a:t>1/23/2024</a:t>
+              <a:t>1/24/2024</a:t>
             </a:fld>
             <a:endParaRPr lang="en-US"/>
           </a:p>
@@ -2002,7 +2019,7 @@
           <a:p>
             <a:fld id="{15E051AD-6864-4CE5-A7E8-B2ED4A549806}" type="datetimeFigureOut">
               <a:rPr lang="en-US" smtClean="0"/>
-              <a:t>1/23/2024</a:t>
+              <a:t>1/24/2024</a:t>
             </a:fld>
             <a:endParaRPr lang="en-US"/>
           </a:p>
@@ -2115,7 +2132,7 @@
           <a:p>
             <a:fld id="{15E051AD-6864-4CE5-A7E8-B2ED4A549806}" type="datetimeFigureOut">
               <a:rPr lang="en-US" smtClean="0"/>
-              <a:t>1/23/2024</a:t>
+              <a:t>1/24/2024</a:t>
             </a:fld>
             <a:endParaRPr lang="en-US"/>
           </a:p>
@@ -2428,7 +2445,7 @@
           <a:p>
             <a:fld id="{15E051AD-6864-4CE5-A7E8-B2ED4A549806}" type="datetimeFigureOut">
               <a:rPr lang="en-US" smtClean="0"/>
-              <a:t>1/23/2024</a:t>
+              <a:t>1/24/2024</a:t>
             </a:fld>
             <a:endParaRPr lang="en-US"/>
           </a:p>
@@ -2717,7 +2734,7 @@
           <a:p>
             <a:fld id="{15E051AD-6864-4CE5-A7E8-B2ED4A549806}" type="datetimeFigureOut">
               <a:rPr lang="en-US" smtClean="0"/>
-              <a:t>1/23/2024</a:t>
+              <a:t>1/24/2024</a:t>
             </a:fld>
             <a:endParaRPr lang="en-US"/>
           </a:p>
@@ -2960,7 +2977,7 @@
           <a:p>
             <a:fld id="{15E051AD-6864-4CE5-A7E8-B2ED4A549806}" type="datetimeFigureOut">
               <a:rPr lang="en-US" smtClean="0"/>
-              <a:t>1/23/2024</a:t>
+              <a:t>1/24/2024</a:t>
             </a:fld>
             <a:endParaRPr lang="en-US"/>
           </a:p>
@@ -3532,8 +3549,8 @@
             </p:nvSpPr>
             <p:spPr>
               <a:xfrm>
-                <a:off x="191618" y="1917750"/>
-                <a:ext cx="4464000" cy="4464000"/>
+                <a:off x="191619" y="1917750"/>
+                <a:ext cx="4464000" cy="4464001"/>
               </a:xfrm>
               <a:prstGeom prst="ellipse">
                 <a:avLst/>
@@ -3620,7 +3637,7 @@
               </a:prstGeom>
               <a:ln w="19050">
                 <a:solidFill>
-                  <a:srgbClr val="0070C0"/>
+                  <a:srgbClr val="0069AA"/>
                 </a:solidFill>
               </a:ln>
             </p:spPr>
@@ -3655,15 +3672,15 @@
             </p:nvCxnSpPr>
             <p:spPr>
               <a:xfrm flipV="1">
-                <a:off x="2422118" y="1493410"/>
-                <a:ext cx="3830288" cy="2678205"/>
+                <a:off x="2422118" y="1272645"/>
+                <a:ext cx="4168586" cy="2898969"/>
               </a:xfrm>
               <a:prstGeom prst="line">
                 <a:avLst/>
               </a:prstGeom>
               <a:ln w="19050">
                 <a:solidFill>
-                  <a:srgbClr val="FF0000"/>
+                  <a:srgbClr val="8D2D39"/>
                 </a:solidFill>
               </a:ln>
             </p:spPr>
@@ -3698,15 +3715,15 @@
             </p:nvCxnSpPr>
             <p:spPr>
               <a:xfrm flipV="1">
-                <a:off x="2434365" y="-231858"/>
-                <a:ext cx="1658651" cy="4381608"/>
+                <a:off x="2434365" y="-549107"/>
+                <a:ext cx="1929447" cy="4698857"/>
               </a:xfrm>
               <a:prstGeom prst="line">
                 <a:avLst/>
               </a:prstGeom>
               <a:ln w="19050">
                 <a:solidFill>
-                  <a:srgbClr val="FF0000"/>
+                  <a:srgbClr val="8D2D39"/>
                 </a:solidFill>
               </a:ln>
             </p:spPr>
@@ -3749,7 +3766,7 @@
               </a:prstGeom>
               <a:ln w="19050">
                 <a:solidFill>
-                  <a:srgbClr val="0070C0"/>
+                  <a:srgbClr val="0069AA"/>
                 </a:solidFill>
               </a:ln>
             </p:spPr>
@@ -3783,15 +3800,18 @@
           </p:nvSpPr>
           <p:spPr>
             <a:xfrm rot="422223">
-              <a:off x="6475852" y="3600560"/>
-              <a:ext cx="360000" cy="360000"/>
+              <a:off x="6786825" y="3286264"/>
+              <a:ext cx="413033" cy="404323"/>
             </a:xfrm>
             <a:prstGeom prst="arc">
-              <a:avLst/>
+              <a:avLst>
+                <a:gd name="adj1" fmla="val 14235875"/>
+                <a:gd name="adj2" fmla="val 1079874"/>
+              </a:avLst>
             </a:prstGeom>
             <a:ln w="12700">
               <a:solidFill>
-                <a:srgbClr val="FF0000"/>
+                <a:schemeClr val="tx1"/>
               </a:solidFill>
             </a:ln>
           </p:spPr>
@@ -3822,51 +3842,110 @@
             </a:p>
           </p:txBody>
         </p:sp>
-        <p:sp>
-          <p:nvSpPr>
-            <p:cNvPr id="96" name="Textfeld 95">
-              <a:extLst>
-                <a:ext uri="{FF2B5EF4-FFF2-40B4-BE49-F238E27FC236}">
-                  <a16:creationId xmlns:a16="http://schemas.microsoft.com/office/drawing/2014/main" id="{6B59233C-3899-6AF5-17E5-3E0CFD0FCB64}"/>
-                </a:ext>
-              </a:extLst>
-            </p:cNvPr>
-            <p:cNvSpPr txBox="1"/>
-            <p:nvPr/>
-          </p:nvSpPr>
-          <p:spPr>
-            <a:xfrm>
-              <a:off x="6565274" y="3532303"/>
-              <a:ext cx="181156" cy="400109"/>
-            </a:xfrm>
-            <a:prstGeom prst="rect">
-              <a:avLst/>
-            </a:prstGeom>
-            <a:noFill/>
-          </p:spPr>
-          <p:txBody>
-            <a:bodyPr wrap="square" rtlCol="0">
-              <a:spAutoFit/>
-            </a:bodyPr>
-            <a:lstStyle/>
-            <a:p>
-              <a:r>
-                <a:rPr lang="en-US" sz="900" dirty="0">
-                  <a:solidFill>
-                    <a:srgbClr val="FF0000"/>
-                  </a:solidFill>
-                  <a:sym typeface="Symbol" panose="05050102010706020507" pitchFamily="18" charset="2"/>
-                </a:rPr>
-                <a:t></a:t>
-              </a:r>
-              <a:endParaRPr lang="en-US" sz="900" dirty="0">
-                <a:solidFill>
-                  <a:srgbClr val="FF0000"/>
-                </a:solidFill>
-              </a:endParaRPr>
-            </a:p>
-          </p:txBody>
-        </p:sp>
+        <mc:AlternateContent xmlns:mc="http://schemas.openxmlformats.org/markup-compatibility/2006" xmlns:a14="http://schemas.microsoft.com/office/drawing/2010/main">
+          <mc:Choice Requires="a14">
+            <p:sp>
+              <p:nvSpPr>
+                <p:cNvPr id="96" name="Textfeld 95">
+                  <a:extLst>
+                    <a:ext uri="{FF2B5EF4-FFF2-40B4-BE49-F238E27FC236}">
+                      <a16:creationId xmlns:a16="http://schemas.microsoft.com/office/drawing/2014/main" id="{6B59233C-3899-6AF5-17E5-3E0CFD0FCB64}"/>
+                    </a:ext>
+                  </a:extLst>
+                </p:cNvPr>
+                <p:cNvSpPr txBox="1"/>
+                <p:nvPr/>
+              </p:nvSpPr>
+              <p:spPr>
+                <a:xfrm>
+                  <a:off x="6812184" y="3248357"/>
+                  <a:ext cx="181156" cy="480132"/>
+                </a:xfrm>
+                <a:prstGeom prst="rect">
+                  <a:avLst/>
+                </a:prstGeom>
+                <a:noFill/>
+              </p:spPr>
+              <p:txBody>
+                <a:bodyPr wrap="square" rtlCol="0">
+                  <a:spAutoFit/>
+                </a:bodyPr>
+                <a:lstStyle/>
+                <a:p>
+                  <a:pPr/>
+                  <a14:m>
+                    <m:oMathPara xmlns:m="http://schemas.openxmlformats.org/officeDocument/2006/math">
+                      <m:oMathParaPr>
+                        <m:jc m:val="centerGroup"/>
+                      </m:oMathParaPr>
+                      <m:oMath xmlns:m="http://schemas.openxmlformats.org/officeDocument/2006/math">
+                        <m:r>
+                          <a:rPr lang="en-US" sz="1200" b="1" i="1" dirty="0" smtClean="0">
+                            <a:solidFill>
+                              <a:schemeClr val="tx1"/>
+                            </a:solidFill>
+                            <a:latin typeface="Cambria Math" panose="02040503050406030204" pitchFamily="18" charset="0"/>
+                            <a:sym typeface="Symbol" panose="05050102010706020507" pitchFamily="18" charset="2"/>
+                          </a:rPr>
+                          <m:t></m:t>
+                        </m:r>
+                      </m:oMath>
+                    </m:oMathPara>
+                  </a14:m>
+                  <a:endParaRPr lang="en-US" sz="900" b="1" dirty="0">
+                    <a:solidFill>
+                      <a:schemeClr val="tx1"/>
+                    </a:solidFill>
+                  </a:endParaRPr>
+                </a:p>
+              </p:txBody>
+            </p:sp>
+          </mc:Choice>
+          <mc:Fallback xmlns="">
+            <p:sp>
+              <p:nvSpPr>
+                <p:cNvPr id="96" name="Textfeld 95">
+                  <a:extLst>
+                    <a:ext uri="{FF2B5EF4-FFF2-40B4-BE49-F238E27FC236}">
+                      <a16:creationId xmlns:a16="http://schemas.microsoft.com/office/drawing/2014/main" id="{6B59233C-3899-6AF5-17E5-3E0CFD0FCB64}"/>
+                    </a:ext>
+                  </a:extLst>
+                </p:cNvPr>
+                <p:cNvSpPr txBox="1">
+                  <a:spLocks noRot="1" noChangeAspect="1" noMove="1" noResize="1" noEditPoints="1" noAdjustHandles="1" noChangeArrowheads="1" noChangeShapeType="1" noTextEdit="1"/>
+                </p:cNvSpPr>
+                <p:nvPr/>
+              </p:nvSpPr>
+              <p:spPr>
+                <a:xfrm>
+                  <a:off x="6812184" y="3248357"/>
+                  <a:ext cx="181156" cy="480132"/>
+                </a:xfrm>
+                <a:prstGeom prst="rect">
+                  <a:avLst/>
+                </a:prstGeom>
+                <a:blipFill>
+                  <a:blip r:embed="rId3"/>
+                  <a:stretch>
+                    <a:fillRect r="-64706"/>
+                  </a:stretch>
+                </a:blipFill>
+              </p:spPr>
+              <p:txBody>
+                <a:bodyPr/>
+                <a:lstStyle/>
+                <a:p>
+                  <a:r>
+                    <a:rPr lang="en-US">
+                      <a:noFill/>
+                    </a:rPr>
+                    <a:t> </a:t>
+                  </a:r>
+                </a:p>
+              </p:txBody>
+            </p:sp>
+          </mc:Fallback>
+        </mc:AlternateContent>
         <p:sp>
           <p:nvSpPr>
             <p:cNvPr id="102" name="Bogen 101">
@@ -3889,7 +3968,7 @@
             </a:prstGeom>
             <a:ln w="12700">
               <a:solidFill>
-                <a:srgbClr val="0070C0"/>
+                <a:srgbClr val="0069AA"/>
               </a:solidFill>
             </a:ln>
           </p:spPr>
@@ -3934,15 +4013,15 @@
           </p:nvSpPr>
           <p:spPr>
             <a:xfrm rot="7845321">
-              <a:off x="7267633" y="2436532"/>
-              <a:ext cx="360000" cy="360000"/>
+              <a:off x="7267634" y="2436533"/>
+              <a:ext cx="359999" cy="360001"/>
             </a:xfrm>
             <a:prstGeom prst="arc">
               <a:avLst/>
             </a:prstGeom>
             <a:ln w="12700">
               <a:solidFill>
-                <a:srgbClr val="0070C0"/>
+                <a:schemeClr val="tx1"/>
               </a:solidFill>
             </a:ln>
           </p:spPr>
@@ -3967,7 +4046,7 @@
               <a:pPr algn="ctr"/>
               <a:endParaRPr lang="en-US">
                 <a:solidFill>
-                  <a:srgbClr val="FF0000"/>
+                  <a:schemeClr val="accent4"/>
                 </a:solidFill>
               </a:endParaRPr>
             </a:p>
@@ -3988,7 +4067,7 @@
           <p:spPr>
             <a:xfrm>
               <a:off x="7332078" y="2297608"/>
-              <a:ext cx="130778" cy="369332"/>
+              <a:ext cx="130778" cy="640175"/>
             </a:xfrm>
             <a:prstGeom prst="rect">
               <a:avLst/>
@@ -4002,11 +4081,7 @@
             <a:lstStyle/>
             <a:p>
               <a:r>
-                <a:rPr lang="en-US" dirty="0">
-                  <a:solidFill>
-                    <a:srgbClr val="0070C0"/>
-                  </a:solidFill>
-                </a:rPr>
+                <a:rPr lang="en-US" dirty="0"/>
                 <a:t>.</a:t>
               </a:r>
             </a:p>
@@ -4026,8 +4101,8 @@
           </p:nvSpPr>
           <p:spPr>
             <a:xfrm>
-              <a:off x="7332078" y="2190001"/>
-              <a:ext cx="332015" cy="373519"/>
+              <a:off x="7337486" y="2172550"/>
+              <a:ext cx="332015" cy="640175"/>
             </a:xfrm>
             <a:prstGeom prst="rect">
               <a:avLst/>
@@ -4043,7 +4118,7 @@
               <a:r>
                 <a:rPr lang="en-US" dirty="0">
                   <a:solidFill>
-                    <a:srgbClr val="0070C0"/>
+                    <a:srgbClr val="0069AA"/>
                   </a:solidFill>
                 </a:rPr>
                 <a:t>.</a:t>
@@ -4052,10 +4127,384 @@
           </p:txBody>
         </p:sp>
       </p:grpSp>
+      <p:grpSp>
+        <p:nvGrpSpPr>
+          <p:cNvPr id="4" name="Gruppieren 3">
+            <a:extLst>
+              <a:ext uri="{FF2B5EF4-FFF2-40B4-BE49-F238E27FC236}">
+                <a16:creationId xmlns:a16="http://schemas.microsoft.com/office/drawing/2014/main" id="{F699F651-2036-1292-42F8-9CD37D38C211}"/>
+              </a:ext>
+            </a:extLst>
+          </p:cNvPr>
+          <p:cNvGrpSpPr/>
+          <p:nvPr/>
+        </p:nvGrpSpPr>
+        <p:grpSpPr>
+          <a:xfrm>
+            <a:off x="6010449" y="2327903"/>
+            <a:ext cx="1030205" cy="963799"/>
+            <a:chOff x="6010449" y="2327903"/>
+            <a:chExt cx="1030205" cy="963799"/>
+          </a:xfrm>
+        </p:grpSpPr>
+        <p:cxnSp>
+          <p:nvCxnSpPr>
+            <p:cNvPr id="3" name="Gerader Verbinder 2">
+              <a:extLst>
+                <a:ext uri="{FF2B5EF4-FFF2-40B4-BE49-F238E27FC236}">
+                  <a16:creationId xmlns:a16="http://schemas.microsoft.com/office/drawing/2014/main" id="{257E818C-94A9-F63F-5F7B-F8E7DF68DD43}"/>
+                </a:ext>
+              </a:extLst>
+            </p:cNvPr>
+            <p:cNvCxnSpPr>
+              <a:cxnSpLocks/>
+            </p:cNvCxnSpPr>
+            <p:nvPr/>
+          </p:nvCxnSpPr>
+          <p:spPr>
+            <a:xfrm flipV="1">
+              <a:off x="6010449" y="2334448"/>
+              <a:ext cx="734703" cy="953020"/>
+            </a:xfrm>
+            <a:prstGeom prst="line">
+              <a:avLst/>
+            </a:prstGeom>
+            <a:ln w="12700">
+              <a:solidFill>
+                <a:schemeClr val="tx1"/>
+              </a:solidFill>
+            </a:ln>
+          </p:spPr>
+          <p:style>
+            <a:lnRef idx="1">
+              <a:schemeClr val="accent1"/>
+            </a:lnRef>
+            <a:fillRef idx="0">
+              <a:schemeClr val="accent1"/>
+            </a:fillRef>
+            <a:effectRef idx="0">
+              <a:schemeClr val="accent1"/>
+            </a:effectRef>
+            <a:fontRef idx="minor">
+              <a:schemeClr val="tx1"/>
+            </a:fontRef>
+          </p:style>
+        </p:cxnSp>
+        <mc:AlternateContent xmlns:mc="http://schemas.openxmlformats.org/markup-compatibility/2006" xmlns:a14="http://schemas.microsoft.com/office/drawing/2010/main">
+          <mc:Choice Requires="a14">
+            <p:sp>
+              <p:nvSpPr>
+                <p:cNvPr id="13" name="Textfeld 12">
+                  <a:extLst>
+                    <a:ext uri="{FF2B5EF4-FFF2-40B4-BE49-F238E27FC236}">
+                      <a16:creationId xmlns:a16="http://schemas.microsoft.com/office/drawing/2014/main" id="{BD2E4593-BFDF-F945-F20C-36C7C1857B1B}"/>
+                    </a:ext>
+                  </a:extLst>
+                </p:cNvPr>
+                <p:cNvSpPr txBox="1"/>
+                <p:nvPr/>
+              </p:nvSpPr>
+              <p:spPr>
+                <a:xfrm>
+                  <a:off x="6375324" y="2406476"/>
+                  <a:ext cx="128816" cy="261610"/>
+                </a:xfrm>
+                <a:prstGeom prst="rect">
+                  <a:avLst/>
+                </a:prstGeom>
+                <a:noFill/>
+              </p:spPr>
+              <p:txBody>
+                <a:bodyPr wrap="square" rtlCol="0">
+                  <a:spAutoFit/>
+                </a:bodyPr>
+                <a:lstStyle/>
+                <a:p>
+                  <a:pPr/>
+                  <a14:m>
+                    <m:oMathPara xmlns:m="http://schemas.openxmlformats.org/officeDocument/2006/math">
+                      <m:oMathParaPr>
+                        <m:jc m:val="centerGroup"/>
+                      </m:oMathParaPr>
+                      <m:oMath xmlns:m="http://schemas.openxmlformats.org/officeDocument/2006/math">
+                        <m:r>
+                          <a:rPr lang="en-US" sz="1100" i="1" dirty="0" smtClean="0">
+                            <a:solidFill>
+                              <a:schemeClr val="tx1"/>
+                            </a:solidFill>
+                            <a:latin typeface="Cambria Math" panose="02040503050406030204" pitchFamily="18" charset="0"/>
+                          </a:rPr>
+                          <m:t>𝑟</m:t>
+                        </m:r>
+                      </m:oMath>
+                    </m:oMathPara>
+                  </a14:m>
+                  <a:endParaRPr lang="en-US" sz="1100" dirty="0">
+                    <a:solidFill>
+                      <a:schemeClr val="tx1"/>
+                    </a:solidFill>
+                  </a:endParaRPr>
+                </a:p>
+              </p:txBody>
+            </p:sp>
+          </mc:Choice>
+          <mc:Fallback xmlns="">
+            <p:sp>
+              <p:nvSpPr>
+                <p:cNvPr id="13" name="Textfeld 12">
+                  <a:extLst>
+                    <a:ext uri="{FF2B5EF4-FFF2-40B4-BE49-F238E27FC236}">
+                      <a16:creationId xmlns:a16="http://schemas.microsoft.com/office/drawing/2014/main" id="{BD2E4593-BFDF-F945-F20C-36C7C1857B1B}"/>
+                    </a:ext>
+                  </a:extLst>
+                </p:cNvPr>
+                <p:cNvSpPr txBox="1">
+                  <a:spLocks noRot="1" noChangeAspect="1" noMove="1" noResize="1" noEditPoints="1" noAdjustHandles="1" noChangeArrowheads="1" noChangeShapeType="1" noTextEdit="1"/>
+                </p:cNvSpPr>
+                <p:nvPr/>
+              </p:nvSpPr>
+              <p:spPr>
+                <a:xfrm>
+                  <a:off x="6375324" y="2406476"/>
+                  <a:ext cx="128816" cy="261610"/>
+                </a:xfrm>
+                <a:prstGeom prst="rect">
+                  <a:avLst/>
+                </a:prstGeom>
+                <a:blipFill>
+                  <a:blip r:embed="rId4"/>
+                  <a:stretch>
+                    <a:fillRect r="-28571"/>
+                  </a:stretch>
+                </a:blipFill>
+              </p:spPr>
+              <p:txBody>
+                <a:bodyPr/>
+                <a:lstStyle/>
+                <a:p>
+                  <a:r>
+                    <a:rPr lang="en-US">
+                      <a:noFill/>
+                    </a:rPr>
+                    <a:t> </a:t>
+                  </a:r>
+                </a:p>
+              </p:txBody>
+            </p:sp>
+          </mc:Fallback>
+        </mc:AlternateContent>
+        <p:cxnSp>
+          <p:nvCxnSpPr>
+            <p:cNvPr id="19" name="Gerader Verbinder 18">
+              <a:extLst>
+                <a:ext uri="{FF2B5EF4-FFF2-40B4-BE49-F238E27FC236}">
+                  <a16:creationId xmlns:a16="http://schemas.microsoft.com/office/drawing/2014/main" id="{968459A8-12ED-E91A-0D8E-CC52B55B30D6}"/>
+                </a:ext>
+              </a:extLst>
+            </p:cNvPr>
+            <p:cNvCxnSpPr>
+              <a:cxnSpLocks/>
+            </p:cNvCxnSpPr>
+            <p:nvPr/>
+          </p:nvCxnSpPr>
+          <p:spPr>
+            <a:xfrm flipV="1">
+              <a:off x="6010449" y="2568079"/>
+              <a:ext cx="1030205" cy="723623"/>
+            </a:xfrm>
+            <a:prstGeom prst="line">
+              <a:avLst/>
+            </a:prstGeom>
+            <a:ln w="12700">
+              <a:solidFill>
+                <a:schemeClr val="tx1"/>
+              </a:solidFill>
+            </a:ln>
+          </p:spPr>
+          <p:style>
+            <a:lnRef idx="1">
+              <a:schemeClr val="accent1"/>
+            </a:lnRef>
+            <a:fillRef idx="0">
+              <a:schemeClr val="accent1"/>
+            </a:fillRef>
+            <a:effectRef idx="0">
+              <a:schemeClr val="accent1"/>
+            </a:effectRef>
+            <a:fontRef idx="minor">
+              <a:schemeClr val="tx1"/>
+            </a:fontRef>
+          </p:style>
+        </p:cxnSp>
+        <p:cxnSp>
+          <p:nvCxnSpPr>
+            <p:cNvPr id="25" name="Gerader Verbinder 24">
+              <a:extLst>
+                <a:ext uri="{FF2B5EF4-FFF2-40B4-BE49-F238E27FC236}">
+                  <a16:creationId xmlns:a16="http://schemas.microsoft.com/office/drawing/2014/main" id="{5E04FC80-B8EB-4E31-AA53-994E1C9A5396}"/>
+                </a:ext>
+              </a:extLst>
+            </p:cNvPr>
+            <p:cNvCxnSpPr>
+              <a:cxnSpLocks/>
+            </p:cNvCxnSpPr>
+            <p:nvPr/>
+          </p:nvCxnSpPr>
+          <p:spPr>
+            <a:xfrm>
+              <a:off x="6742986" y="2327903"/>
+              <a:ext cx="294673" cy="239497"/>
+            </a:xfrm>
+            <a:prstGeom prst="line">
+              <a:avLst/>
+            </a:prstGeom>
+            <a:ln w="12700">
+              <a:solidFill>
+                <a:schemeClr val="tx1"/>
+              </a:solidFill>
+            </a:ln>
+          </p:spPr>
+          <p:style>
+            <a:lnRef idx="1">
+              <a:schemeClr val="accent1"/>
+            </a:lnRef>
+            <a:fillRef idx="0">
+              <a:schemeClr val="accent1"/>
+            </a:fillRef>
+            <a:effectRef idx="0">
+              <a:schemeClr val="accent1"/>
+            </a:effectRef>
+            <a:fontRef idx="minor">
+              <a:schemeClr val="tx1"/>
+            </a:fontRef>
+          </p:style>
+        </p:cxnSp>
+        <mc:AlternateContent xmlns:mc="http://schemas.openxmlformats.org/markup-compatibility/2006" xmlns:a14="http://schemas.microsoft.com/office/drawing/2010/main">
+          <mc:Choice Requires="a14">
+            <p:sp>
+              <p:nvSpPr>
+                <p:cNvPr id="35" name="Textfeld 34">
+                  <a:extLst>
+                    <a:ext uri="{FF2B5EF4-FFF2-40B4-BE49-F238E27FC236}">
+                      <a16:creationId xmlns:a16="http://schemas.microsoft.com/office/drawing/2014/main" id="{6B406F29-934E-6C63-D943-6045837739A8}"/>
+                    </a:ext>
+                  </a:extLst>
+                </p:cNvPr>
+                <p:cNvSpPr txBox="1"/>
+                <p:nvPr/>
+              </p:nvSpPr>
+              <p:spPr>
+                <a:xfrm>
+                  <a:off x="6283720" y="2955753"/>
+                  <a:ext cx="532051" cy="246221"/>
+                </a:xfrm>
+                <a:prstGeom prst="rect">
+                  <a:avLst/>
+                </a:prstGeom>
+                <a:noFill/>
+              </p:spPr>
+              <p:txBody>
+                <a:bodyPr wrap="square" rtlCol="0">
+                  <a:spAutoFit/>
+                </a:bodyPr>
+                <a:lstStyle/>
+                <a:p>
+                  <a:pPr/>
+                  <a14:m>
+                    <m:oMathPara xmlns:m="http://schemas.openxmlformats.org/officeDocument/2006/math">
+                      <m:oMathParaPr>
+                        <m:jc m:val="centerGroup"/>
+                      </m:oMathParaPr>
+                      <m:oMath xmlns:m="http://schemas.openxmlformats.org/officeDocument/2006/math">
+                        <m:r>
+                          <a:rPr lang="en-US" sz="1000" i="1" dirty="0" smtClean="0">
+                            <a:solidFill>
+                              <a:schemeClr val="tx1"/>
+                            </a:solidFill>
+                            <a:latin typeface="Cambria Math" panose="02040503050406030204" pitchFamily="18" charset="0"/>
+                          </a:rPr>
+                          <m:t>𝑟</m:t>
+                        </m:r>
+                        <m:r>
+                          <a:rPr lang="en-US" sz="1000" i="1" dirty="0" smtClean="0">
+                            <a:solidFill>
+                              <a:schemeClr val="tx1"/>
+                            </a:solidFill>
+                            <a:latin typeface="Cambria Math" panose="02040503050406030204" pitchFamily="18" charset="0"/>
+                          </a:rPr>
+                          <m:t>+</m:t>
+                        </m:r>
+                        <m:r>
+                          <a:rPr lang="en-US" sz="1000" i="1" dirty="0" smtClean="0">
+                            <a:solidFill>
+                              <a:schemeClr val="tx1"/>
+                            </a:solidFill>
+                            <a:latin typeface="Cambria Math" panose="02040503050406030204" pitchFamily="18" charset="0"/>
+                          </a:rPr>
+                          <m:t>𝑠</m:t>
+                        </m:r>
+                      </m:oMath>
+                    </m:oMathPara>
+                  </a14:m>
+                  <a:endParaRPr lang="en-US" sz="1000" dirty="0">
+                    <a:solidFill>
+                      <a:schemeClr val="tx1"/>
+                    </a:solidFill>
+                  </a:endParaRPr>
+                </a:p>
+              </p:txBody>
+            </p:sp>
+          </mc:Choice>
+          <mc:Fallback xmlns="">
+            <p:sp>
+              <p:nvSpPr>
+                <p:cNvPr id="35" name="Textfeld 34">
+                  <a:extLst>
+                    <a:ext uri="{FF2B5EF4-FFF2-40B4-BE49-F238E27FC236}">
+                      <a16:creationId xmlns:a16="http://schemas.microsoft.com/office/drawing/2014/main" id="{6B406F29-934E-6C63-D943-6045837739A8}"/>
+                    </a:ext>
+                  </a:extLst>
+                </p:cNvPr>
+                <p:cNvSpPr txBox="1">
+                  <a:spLocks noRot="1" noChangeAspect="1" noMove="1" noResize="1" noEditPoints="1" noAdjustHandles="1" noChangeArrowheads="1" noChangeShapeType="1" noTextEdit="1"/>
+                </p:cNvSpPr>
+                <p:nvPr/>
+              </p:nvSpPr>
+              <p:spPr>
+                <a:xfrm>
+                  <a:off x="6283720" y="2955753"/>
+                  <a:ext cx="532051" cy="246221"/>
+                </a:xfrm>
+                <a:prstGeom prst="rect">
+                  <a:avLst/>
+                </a:prstGeom>
+                <a:blipFill>
+                  <a:blip r:embed="rId5"/>
+                  <a:stretch>
+                    <a:fillRect/>
+                  </a:stretch>
+                </a:blipFill>
+              </p:spPr>
+              <p:txBody>
+                <a:bodyPr/>
+                <a:lstStyle/>
+                <a:p>
+                  <a:r>
+                    <a:rPr lang="en-US">
+                      <a:noFill/>
+                    </a:rPr>
+                    <a:t> </a:t>
+                  </a:r>
+                </a:p>
+              </p:txBody>
+            </p:sp>
+          </mc:Fallback>
+        </mc:AlternateContent>
+      </p:grpSp>
     </p:spTree>
     <p:extLst>
       <p:ext uri="{BB962C8B-B14F-4D97-AF65-F5344CB8AC3E}">
-        <p14:creationId xmlns:p14="http://schemas.microsoft.com/office/powerpoint/2010/main" val="3948160977"/>
+        <p14:creationId xmlns:p14="http://schemas.microsoft.com/office/powerpoint/2010/main" val="3581176536"/>
       </p:ext>
     </p:extLst>
   </p:cSld>
@@ -4082,12 +4531,113 @@
           <a:chExt cx="0" cy="0"/>
         </a:xfrm>
       </p:grpSpPr>
+      <p:sp>
+        <p:nvSpPr>
+          <p:cNvPr id="63" name="Ellipse 62">
+            <a:extLst>
+              <a:ext uri="{FF2B5EF4-FFF2-40B4-BE49-F238E27FC236}">
+                <a16:creationId xmlns:a16="http://schemas.microsoft.com/office/drawing/2014/main" id="{E98F40B3-9CE7-179C-0625-6B0660A623E0}"/>
+              </a:ext>
+            </a:extLst>
+          </p:cNvPr>
+          <p:cNvSpPr/>
+          <p:nvPr/>
+        </p:nvSpPr>
+        <p:spPr>
+          <a:xfrm>
+            <a:off x="3289189" y="590464"/>
+            <a:ext cx="5368106" cy="5400000"/>
+          </a:xfrm>
+          <a:prstGeom prst="ellipse">
+            <a:avLst/>
+          </a:prstGeom>
+          <a:solidFill>
+            <a:schemeClr val="accent3">
+              <a:lumMod val="20000"/>
+              <a:lumOff val="80000"/>
+            </a:schemeClr>
+          </a:solidFill>
+        </p:spPr>
+        <p:style>
+          <a:lnRef idx="2">
+            <a:schemeClr val="accent1">
+              <a:shade val="15000"/>
+            </a:schemeClr>
+          </a:lnRef>
+          <a:fillRef idx="1">
+            <a:schemeClr val="accent1"/>
+          </a:fillRef>
+          <a:effectRef idx="0">
+            <a:schemeClr val="accent1"/>
+          </a:effectRef>
+          <a:fontRef idx="minor">
+            <a:schemeClr val="lt1"/>
+          </a:fontRef>
+        </p:style>
+        <p:txBody>
+          <a:bodyPr rtlCol="0" anchor="ctr"/>
+          <a:lstStyle/>
+          <a:p>
+            <a:pPr algn="ctr"/>
+            <a:endParaRPr lang="en-US"/>
+          </a:p>
+        </p:txBody>
+      </p:sp>
+      <p:sp>
+        <p:nvSpPr>
+          <p:cNvPr id="5" name="Ellipse 4">
+            <a:extLst>
+              <a:ext uri="{FF2B5EF4-FFF2-40B4-BE49-F238E27FC236}">
+                <a16:creationId xmlns:a16="http://schemas.microsoft.com/office/drawing/2014/main" id="{40D25A1A-8D7E-4119-9E6A-887DB8E69EC1}"/>
+              </a:ext>
+            </a:extLst>
+          </p:cNvPr>
+          <p:cNvSpPr/>
+          <p:nvPr/>
+        </p:nvSpPr>
+        <p:spPr>
+          <a:xfrm>
+            <a:off x="4705675" y="2013651"/>
+            <a:ext cx="2560174" cy="2575385"/>
+          </a:xfrm>
+          <a:prstGeom prst="ellipse">
+            <a:avLst/>
+          </a:prstGeom>
+          <a:solidFill>
+            <a:schemeClr val="bg1"/>
+          </a:solidFill>
+        </p:spPr>
+        <p:style>
+          <a:lnRef idx="2">
+            <a:schemeClr val="accent1">
+              <a:shade val="15000"/>
+            </a:schemeClr>
+          </a:lnRef>
+          <a:fillRef idx="1">
+            <a:schemeClr val="accent1"/>
+          </a:fillRef>
+          <a:effectRef idx="0">
+            <a:schemeClr val="accent1"/>
+          </a:effectRef>
+          <a:fontRef idx="minor">
+            <a:schemeClr val="lt1"/>
+          </a:fontRef>
+        </p:style>
+        <p:txBody>
+          <a:bodyPr rtlCol="0" anchor="ctr"/>
+          <a:lstStyle/>
+          <a:p>
+            <a:pPr algn="ctr"/>
+            <a:endParaRPr lang="en-US"/>
+          </a:p>
+        </p:txBody>
+      </p:sp>
       <p:pic>
         <p:nvPicPr>
-          <p:cNvPr id="36" name="Grafik 35">
-            <a:extLst>
-              <a:ext uri="{FF2B5EF4-FFF2-40B4-BE49-F238E27FC236}">
-                <a16:creationId xmlns:a16="http://schemas.microsoft.com/office/drawing/2014/main" id="{0B9B728D-A777-3440-34F5-BD2833E035E8}"/>
+          <p:cNvPr id="2" name="Grafik 1">
+            <a:extLst>
+              <a:ext uri="{FF2B5EF4-FFF2-40B4-BE49-F238E27FC236}">
+                <a16:creationId xmlns:a16="http://schemas.microsoft.com/office/drawing/2014/main" id="{73877FEE-8F7C-BE3B-58BE-3185405E91E9}"/>
               </a:ext>
             </a:extLst>
           </p:cNvPr>
@@ -4097,24 +4647,1538 @@
           <p:nvPr/>
         </p:nvPicPr>
         <p:blipFill rotWithShape="1">
-          <a:blip r:embed="rId2"/>
-          <a:srcRect l="24545" t="-3383" r="-2864" b="24086"/>
+          <a:blip r:embed="rId2">
+            <a:extLst>
+              <a:ext uri="{28A0092B-C50C-407E-A947-70E740481C1C}">
+                <a14:useLocalDpi xmlns:a14="http://schemas.microsoft.com/office/drawing/2010/main" val="0"/>
+              </a:ext>
+              <a:ext uri="{96DAC541-7B7A-43D3-8B79-37D633B846F1}">
+                <asvg:svgBlip xmlns:asvg="http://schemas.microsoft.com/office/drawing/2016/SVG/main" r:embed="rId3"/>
+              </a:ext>
+            </a:extLst>
+          </a:blip>
+          <a:srcRect l="22271" t="11768" r="19564" b="10479"/>
           <a:stretch/>
         </p:blipFill>
         <p:spPr>
           <a:xfrm>
-            <a:off x="4008355" y="580290"/>
-            <a:ext cx="4244740" cy="4292867"/>
+            <a:off x="4759587" y="2064783"/>
+            <a:ext cx="2474973" cy="2484000"/>
+          </a:xfrm>
+          <a:prstGeom prst="ellipse">
+            <a:avLst/>
+          </a:prstGeom>
+        </p:spPr>
+      </p:pic>
+      <p:cxnSp>
+        <p:nvCxnSpPr>
+          <p:cNvPr id="8" name="Gerader Verbinder 7">
+            <a:extLst>
+              <a:ext uri="{FF2B5EF4-FFF2-40B4-BE49-F238E27FC236}">
+                <a16:creationId xmlns:a16="http://schemas.microsoft.com/office/drawing/2014/main" id="{8D47468F-9B08-D632-678F-169F53FD2FE5}"/>
+              </a:ext>
+            </a:extLst>
+          </p:cNvPr>
+          <p:cNvCxnSpPr>
+            <a:cxnSpLocks/>
+          </p:cNvCxnSpPr>
+          <p:nvPr/>
+        </p:nvCxnSpPr>
+        <p:spPr>
+          <a:xfrm>
+            <a:off x="4776294" y="736349"/>
+            <a:ext cx="3912895" cy="3157148"/>
+          </a:xfrm>
+          <a:prstGeom prst="line">
+            <a:avLst/>
+          </a:prstGeom>
+          <a:ln w="19050">
+            <a:solidFill>
+              <a:schemeClr val="accent1"/>
+            </a:solidFill>
+          </a:ln>
+        </p:spPr>
+        <p:style>
+          <a:lnRef idx="1">
+            <a:schemeClr val="accent1"/>
+          </a:lnRef>
+          <a:fillRef idx="0">
+            <a:schemeClr val="accent1"/>
+          </a:fillRef>
+          <a:effectRef idx="0">
+            <a:schemeClr val="accent1"/>
+          </a:effectRef>
+          <a:fontRef idx="minor">
+            <a:schemeClr val="tx1"/>
+          </a:fontRef>
+        </p:style>
+      </p:cxnSp>
+      <p:cxnSp>
+        <p:nvCxnSpPr>
+          <p:cNvPr id="18" name="Gerader Verbinder 17">
+            <a:extLst>
+              <a:ext uri="{FF2B5EF4-FFF2-40B4-BE49-F238E27FC236}">
+                <a16:creationId xmlns:a16="http://schemas.microsoft.com/office/drawing/2014/main" id="{57123646-3BF5-FB1F-D831-85FF3B0F8DA0}"/>
+              </a:ext>
+            </a:extLst>
+          </p:cNvPr>
+          <p:cNvCxnSpPr>
+            <a:cxnSpLocks/>
+          </p:cNvCxnSpPr>
+          <p:nvPr/>
+        </p:nvCxnSpPr>
+        <p:spPr>
+          <a:xfrm flipV="1">
+            <a:off x="6002221" y="931894"/>
+            <a:ext cx="1812436" cy="2358570"/>
+          </a:xfrm>
+          <a:prstGeom prst="line">
+            <a:avLst/>
+          </a:prstGeom>
+          <a:ln w="19050">
+            <a:solidFill>
+              <a:schemeClr val="accent1"/>
+            </a:solidFill>
+          </a:ln>
+        </p:spPr>
+        <p:style>
+          <a:lnRef idx="1">
+            <a:schemeClr val="accent1"/>
+          </a:lnRef>
+          <a:fillRef idx="0">
+            <a:schemeClr val="accent1"/>
+          </a:fillRef>
+          <a:effectRef idx="0">
+            <a:schemeClr val="accent1"/>
+          </a:effectRef>
+          <a:fontRef idx="minor">
+            <a:schemeClr val="tx1"/>
+          </a:fontRef>
+        </p:style>
+      </p:cxnSp>
+      <p:cxnSp>
+        <p:nvCxnSpPr>
+          <p:cNvPr id="24" name="Gerader Verbinder 23">
+            <a:extLst>
+              <a:ext uri="{FF2B5EF4-FFF2-40B4-BE49-F238E27FC236}">
+                <a16:creationId xmlns:a16="http://schemas.microsoft.com/office/drawing/2014/main" id="{9EC979D4-BA88-8BF3-678B-43234DE3C8F5}"/>
+              </a:ext>
+            </a:extLst>
+          </p:cNvPr>
+          <p:cNvCxnSpPr>
+            <a:cxnSpLocks/>
+          </p:cNvCxnSpPr>
+          <p:nvPr/>
+        </p:nvCxnSpPr>
+        <p:spPr>
+          <a:xfrm flipV="1">
+            <a:off x="5991925" y="773492"/>
+            <a:ext cx="951262" cy="2527851"/>
+          </a:xfrm>
+          <a:prstGeom prst="line">
+            <a:avLst/>
+          </a:prstGeom>
+          <a:ln w="19050">
+            <a:solidFill>
+              <a:srgbClr val="FF0000"/>
+            </a:solidFill>
+          </a:ln>
+        </p:spPr>
+        <p:style>
+          <a:lnRef idx="1">
+            <a:schemeClr val="accent1"/>
+          </a:lnRef>
+          <a:fillRef idx="0">
+            <a:schemeClr val="accent1"/>
+          </a:fillRef>
+          <a:effectRef idx="0">
+            <a:schemeClr val="accent1"/>
+          </a:effectRef>
+          <a:fontRef idx="minor">
+            <a:schemeClr val="tx1"/>
+          </a:fontRef>
+        </p:style>
+      </p:cxnSp>
+      <p:cxnSp>
+        <p:nvCxnSpPr>
+          <p:cNvPr id="26" name="Gerader Verbinder 25">
+            <a:extLst>
+              <a:ext uri="{FF2B5EF4-FFF2-40B4-BE49-F238E27FC236}">
+                <a16:creationId xmlns:a16="http://schemas.microsoft.com/office/drawing/2014/main" id="{259561A4-07CB-0060-0BF5-29DCF2C62C96}"/>
+              </a:ext>
+            </a:extLst>
+          </p:cNvPr>
+          <p:cNvCxnSpPr>
+            <a:cxnSpLocks/>
+          </p:cNvCxnSpPr>
+          <p:nvPr/>
+        </p:nvCxnSpPr>
+        <p:spPr>
+          <a:xfrm flipV="1">
+            <a:off x="5984901" y="1768839"/>
+            <a:ext cx="2196730" cy="1545118"/>
+          </a:xfrm>
+          <a:prstGeom prst="line">
+            <a:avLst/>
+          </a:prstGeom>
+          <a:ln w="19050">
+            <a:solidFill>
+              <a:srgbClr val="FF0000"/>
+            </a:solidFill>
+          </a:ln>
+        </p:spPr>
+        <p:style>
+          <a:lnRef idx="1">
+            <a:schemeClr val="accent2"/>
+          </a:lnRef>
+          <a:fillRef idx="0">
+            <a:schemeClr val="accent2"/>
+          </a:fillRef>
+          <a:effectRef idx="0">
+            <a:schemeClr val="accent2"/>
+          </a:effectRef>
+          <a:fontRef idx="minor">
+            <a:schemeClr val="tx1"/>
+          </a:fontRef>
+        </p:style>
+      </p:cxnSp>
+      <p:sp>
+        <p:nvSpPr>
+          <p:cNvPr id="95" name="Bogen 94">
+            <a:extLst>
+              <a:ext uri="{FF2B5EF4-FFF2-40B4-BE49-F238E27FC236}">
+                <a16:creationId xmlns:a16="http://schemas.microsoft.com/office/drawing/2014/main" id="{4BAB289C-338E-D187-0D23-56EB87272BC9}"/>
+              </a:ext>
+            </a:extLst>
+          </p:cNvPr>
+          <p:cNvSpPr/>
+          <p:nvPr/>
+        </p:nvSpPr>
+        <p:spPr>
+          <a:xfrm rot="422223">
+            <a:off x="6369441" y="2719367"/>
+            <a:ext cx="236881" cy="233263"/>
+          </a:xfrm>
+          <a:prstGeom prst="arc">
+            <a:avLst>
+              <a:gd name="adj1" fmla="val 14235875"/>
+              <a:gd name="adj2" fmla="val 1079874"/>
+            </a:avLst>
+          </a:prstGeom>
+          <a:ln w="12700">
+            <a:solidFill>
+              <a:schemeClr val="accent4"/>
+            </a:solidFill>
+          </a:ln>
+        </p:spPr>
+        <p:style>
+          <a:lnRef idx="1">
+            <a:schemeClr val="accent1"/>
+          </a:lnRef>
+          <a:fillRef idx="0">
+            <a:schemeClr val="accent1"/>
+          </a:fillRef>
+          <a:effectRef idx="0">
+            <a:schemeClr val="accent1"/>
+          </a:effectRef>
+          <a:fontRef idx="minor">
+            <a:schemeClr val="tx1"/>
+          </a:fontRef>
+        </p:style>
+        <p:txBody>
+          <a:bodyPr rtlCol="0" anchor="ctr"/>
+          <a:lstStyle/>
+          <a:p>
+            <a:pPr algn="ctr"/>
+            <a:endParaRPr lang="en-US">
+              <a:solidFill>
+                <a:srgbClr val="FF0000"/>
+              </a:solidFill>
+            </a:endParaRPr>
+          </a:p>
+        </p:txBody>
+      </p:sp>
+      <p:sp>
+        <p:nvSpPr>
+          <p:cNvPr id="96" name="Textfeld 95">
+            <a:extLst>
+              <a:ext uri="{FF2B5EF4-FFF2-40B4-BE49-F238E27FC236}">
+                <a16:creationId xmlns:a16="http://schemas.microsoft.com/office/drawing/2014/main" id="{6B59233C-3899-6AF5-17E5-3E0CFD0FCB64}"/>
+              </a:ext>
+            </a:extLst>
+          </p:cNvPr>
+          <p:cNvSpPr txBox="1"/>
+          <p:nvPr/>
+        </p:nvSpPr>
+        <p:spPr>
+          <a:xfrm>
+            <a:off x="6383985" y="2697498"/>
+            <a:ext cx="103896" cy="276999"/>
           </a:xfrm>
           <a:prstGeom prst="rect">
             <a:avLst/>
           </a:prstGeom>
+          <a:noFill/>
         </p:spPr>
-      </p:pic>
+        <p:txBody>
+          <a:bodyPr wrap="square" rtlCol="0">
+            <a:spAutoFit/>
+          </a:bodyPr>
+          <a:lstStyle/>
+          <a:p>
+            <a:r>
+              <a:rPr lang="en-US" sz="1200" b="1" dirty="0">
+                <a:solidFill>
+                  <a:schemeClr val="accent4"/>
+                </a:solidFill>
+                <a:sym typeface="Symbol" panose="05050102010706020507" pitchFamily="18" charset="2"/>
+              </a:rPr>
+              <a:t></a:t>
+            </a:r>
+            <a:endParaRPr lang="en-US" sz="900" b="1" dirty="0">
+              <a:solidFill>
+                <a:schemeClr val="accent4"/>
+              </a:solidFill>
+            </a:endParaRPr>
+          </a:p>
+        </p:txBody>
+      </p:sp>
+      <p:sp>
+        <p:nvSpPr>
+          <p:cNvPr id="102" name="Bogen 101">
+            <a:extLst>
+              <a:ext uri="{FF2B5EF4-FFF2-40B4-BE49-F238E27FC236}">
+                <a16:creationId xmlns:a16="http://schemas.microsoft.com/office/drawing/2014/main" id="{5D2F1159-4804-4027-EB65-A7D8565F5663}"/>
+              </a:ext>
+            </a:extLst>
+          </p:cNvPr>
+          <p:cNvSpPr/>
+          <p:nvPr/>
+        </p:nvSpPr>
+        <p:spPr>
+          <a:xfrm rot="2112522">
+            <a:off x="6636622" y="2240015"/>
+            <a:ext cx="206466" cy="207692"/>
+          </a:xfrm>
+          <a:prstGeom prst="arc">
+            <a:avLst/>
+          </a:prstGeom>
+          <a:ln w="12700">
+            <a:solidFill>
+              <a:schemeClr val="accent1"/>
+            </a:solidFill>
+          </a:ln>
+        </p:spPr>
+        <p:style>
+          <a:lnRef idx="1">
+            <a:schemeClr val="accent1"/>
+          </a:lnRef>
+          <a:fillRef idx="0">
+            <a:schemeClr val="accent1"/>
+          </a:fillRef>
+          <a:effectRef idx="0">
+            <a:schemeClr val="accent1"/>
+          </a:effectRef>
+          <a:fontRef idx="minor">
+            <a:schemeClr val="tx1"/>
+          </a:fontRef>
+        </p:style>
+        <p:txBody>
+          <a:bodyPr rtlCol="0" anchor="ctr"/>
+          <a:lstStyle/>
+          <a:p>
+            <a:pPr algn="ctr"/>
+            <a:endParaRPr lang="en-US">
+              <a:solidFill>
+                <a:srgbClr val="FF0000"/>
+              </a:solidFill>
+            </a:endParaRPr>
+          </a:p>
+        </p:txBody>
+      </p:sp>
+      <p:sp>
+        <p:nvSpPr>
+          <p:cNvPr id="103" name="Bogen 102">
+            <a:extLst>
+              <a:ext uri="{FF2B5EF4-FFF2-40B4-BE49-F238E27FC236}">
+                <a16:creationId xmlns:a16="http://schemas.microsoft.com/office/drawing/2014/main" id="{878D24DD-9A23-A7C5-5AC9-3DA2D8F48C3D}"/>
+              </a:ext>
+            </a:extLst>
+          </p:cNvPr>
+          <p:cNvSpPr/>
+          <p:nvPr/>
+        </p:nvSpPr>
+        <p:spPr>
+          <a:xfrm rot="7845321">
+            <a:off x="6644579" y="2229751"/>
+            <a:ext cx="207692" cy="206466"/>
+          </a:xfrm>
+          <a:prstGeom prst="arc">
+            <a:avLst/>
+          </a:prstGeom>
+          <a:ln w="12700">
+            <a:solidFill>
+              <a:schemeClr val="accent4"/>
+            </a:solidFill>
+          </a:ln>
+        </p:spPr>
+        <p:style>
+          <a:lnRef idx="1">
+            <a:schemeClr val="accent1"/>
+          </a:lnRef>
+          <a:fillRef idx="0">
+            <a:schemeClr val="accent1"/>
+          </a:fillRef>
+          <a:effectRef idx="0">
+            <a:schemeClr val="accent1"/>
+          </a:effectRef>
+          <a:fontRef idx="minor">
+            <a:schemeClr val="tx1"/>
+          </a:fontRef>
+        </p:style>
+        <p:txBody>
+          <a:bodyPr rtlCol="0" anchor="ctr"/>
+          <a:lstStyle/>
+          <a:p>
+            <a:pPr algn="ctr"/>
+            <a:endParaRPr lang="en-US">
+              <a:solidFill>
+                <a:schemeClr val="accent4"/>
+              </a:solidFill>
+            </a:endParaRPr>
+          </a:p>
+        </p:txBody>
+      </p:sp>
+      <p:sp>
+        <p:nvSpPr>
+          <p:cNvPr id="104" name="Textfeld 103">
+            <a:extLst>
+              <a:ext uri="{FF2B5EF4-FFF2-40B4-BE49-F238E27FC236}">
+                <a16:creationId xmlns:a16="http://schemas.microsoft.com/office/drawing/2014/main" id="{A3E1D09B-6D25-1C7B-63F2-F10FE595C5A7}"/>
+              </a:ext>
+            </a:extLst>
+          </p:cNvPr>
+          <p:cNvSpPr txBox="1"/>
+          <p:nvPr/>
+        </p:nvSpPr>
+        <p:spPr>
+          <a:xfrm>
+            <a:off x="6682152" y="2148989"/>
+            <a:ext cx="75003" cy="369332"/>
+          </a:xfrm>
+          <a:prstGeom prst="rect">
+            <a:avLst/>
+          </a:prstGeom>
+          <a:noFill/>
+        </p:spPr>
+        <p:txBody>
+          <a:bodyPr wrap="square" rtlCol="0">
+            <a:spAutoFit/>
+          </a:bodyPr>
+          <a:lstStyle/>
+          <a:p>
+            <a:r>
+              <a:rPr lang="en-US" dirty="0">
+                <a:solidFill>
+                  <a:schemeClr val="accent4"/>
+                </a:solidFill>
+              </a:rPr>
+              <a:t>.</a:t>
+            </a:r>
+          </a:p>
+        </p:txBody>
+      </p:sp>
+      <p:sp>
+        <p:nvSpPr>
+          <p:cNvPr id="106" name="Textfeld 105">
+            <a:extLst>
+              <a:ext uri="{FF2B5EF4-FFF2-40B4-BE49-F238E27FC236}">
+                <a16:creationId xmlns:a16="http://schemas.microsoft.com/office/drawing/2014/main" id="{ACD1F40E-19CF-7D95-E324-85199DCB6330}"/>
+              </a:ext>
+            </a:extLst>
+          </p:cNvPr>
+          <p:cNvSpPr txBox="1"/>
+          <p:nvPr/>
+        </p:nvSpPr>
+        <p:spPr>
+          <a:xfrm>
+            <a:off x="6682112" y="2082211"/>
+            <a:ext cx="190416" cy="369332"/>
+          </a:xfrm>
+          <a:prstGeom prst="rect">
+            <a:avLst/>
+          </a:prstGeom>
+          <a:noFill/>
+        </p:spPr>
+        <p:txBody>
+          <a:bodyPr wrap="square">
+            <a:spAutoFit/>
+          </a:bodyPr>
+          <a:lstStyle/>
+          <a:p>
+            <a:r>
+              <a:rPr lang="en-US" dirty="0">
+                <a:solidFill>
+                  <a:schemeClr val="accent1"/>
+                </a:solidFill>
+              </a:rPr>
+              <a:t>.</a:t>
+            </a:r>
+          </a:p>
+        </p:txBody>
+      </p:sp>
+      <p:cxnSp>
+        <p:nvCxnSpPr>
+          <p:cNvPr id="3" name="Gerader Verbinder 2">
+            <a:extLst>
+              <a:ext uri="{FF2B5EF4-FFF2-40B4-BE49-F238E27FC236}">
+                <a16:creationId xmlns:a16="http://schemas.microsoft.com/office/drawing/2014/main" id="{257E818C-94A9-F63F-5F7B-F8E7DF68DD43}"/>
+              </a:ext>
+            </a:extLst>
+          </p:cNvPr>
+          <p:cNvCxnSpPr>
+            <a:cxnSpLocks/>
+          </p:cNvCxnSpPr>
+          <p:nvPr/>
+        </p:nvCxnSpPr>
+        <p:spPr>
+          <a:xfrm flipV="1">
+            <a:off x="6010449" y="2334448"/>
+            <a:ext cx="734703" cy="953020"/>
+          </a:xfrm>
+          <a:prstGeom prst="line">
+            <a:avLst/>
+          </a:prstGeom>
+          <a:ln w="9525">
+            <a:solidFill>
+              <a:schemeClr val="accent4"/>
+            </a:solidFill>
+          </a:ln>
+        </p:spPr>
+        <p:style>
+          <a:lnRef idx="1">
+            <a:schemeClr val="accent1"/>
+          </a:lnRef>
+          <a:fillRef idx="0">
+            <a:schemeClr val="accent1"/>
+          </a:fillRef>
+          <a:effectRef idx="0">
+            <a:schemeClr val="accent1"/>
+          </a:effectRef>
+          <a:fontRef idx="minor">
+            <a:schemeClr val="tx1"/>
+          </a:fontRef>
+        </p:style>
+      </p:cxnSp>
+      <p:sp>
+        <p:nvSpPr>
+          <p:cNvPr id="13" name="Textfeld 12">
+            <a:extLst>
+              <a:ext uri="{FF2B5EF4-FFF2-40B4-BE49-F238E27FC236}">
+                <a16:creationId xmlns:a16="http://schemas.microsoft.com/office/drawing/2014/main" id="{BD2E4593-BFDF-F945-F20C-36C7C1857B1B}"/>
+              </a:ext>
+            </a:extLst>
+          </p:cNvPr>
+          <p:cNvSpPr txBox="1"/>
+          <p:nvPr/>
+        </p:nvSpPr>
+        <p:spPr>
+          <a:xfrm>
+            <a:off x="6324890" y="2480089"/>
+            <a:ext cx="128816" cy="261610"/>
+          </a:xfrm>
+          <a:prstGeom prst="rect">
+            <a:avLst/>
+          </a:prstGeom>
+          <a:noFill/>
+        </p:spPr>
+        <p:txBody>
+          <a:bodyPr wrap="square" rtlCol="0">
+            <a:spAutoFit/>
+          </a:bodyPr>
+          <a:lstStyle/>
+          <a:p>
+            <a:r>
+              <a:rPr lang="en-US" sz="1100" dirty="0">
+                <a:solidFill>
+                  <a:schemeClr val="accent4"/>
+                </a:solidFill>
+              </a:rPr>
+              <a:t>r</a:t>
+            </a:r>
+          </a:p>
+        </p:txBody>
+      </p:sp>
+      <p:cxnSp>
+        <p:nvCxnSpPr>
+          <p:cNvPr id="19" name="Gerader Verbinder 18">
+            <a:extLst>
+              <a:ext uri="{FF2B5EF4-FFF2-40B4-BE49-F238E27FC236}">
+                <a16:creationId xmlns:a16="http://schemas.microsoft.com/office/drawing/2014/main" id="{968459A8-12ED-E91A-0D8E-CC52B55B30D6}"/>
+              </a:ext>
+            </a:extLst>
+          </p:cNvPr>
+          <p:cNvCxnSpPr>
+            <a:cxnSpLocks/>
+          </p:cNvCxnSpPr>
+          <p:nvPr/>
+        </p:nvCxnSpPr>
+        <p:spPr>
+          <a:xfrm flipV="1">
+            <a:off x="6010449" y="2563845"/>
+            <a:ext cx="1030205" cy="723623"/>
+          </a:xfrm>
+          <a:prstGeom prst="line">
+            <a:avLst/>
+          </a:prstGeom>
+          <a:ln w="9525">
+            <a:solidFill>
+              <a:schemeClr val="accent4"/>
+            </a:solidFill>
+          </a:ln>
+        </p:spPr>
+        <p:style>
+          <a:lnRef idx="1">
+            <a:schemeClr val="accent1"/>
+          </a:lnRef>
+          <a:fillRef idx="0">
+            <a:schemeClr val="accent1"/>
+          </a:fillRef>
+          <a:effectRef idx="0">
+            <a:schemeClr val="accent1"/>
+          </a:effectRef>
+          <a:fontRef idx="minor">
+            <a:schemeClr val="tx1"/>
+          </a:fontRef>
+        </p:style>
+      </p:cxnSp>
+      <p:cxnSp>
+        <p:nvCxnSpPr>
+          <p:cNvPr id="25" name="Gerader Verbinder 24">
+            <a:extLst>
+              <a:ext uri="{FF2B5EF4-FFF2-40B4-BE49-F238E27FC236}">
+                <a16:creationId xmlns:a16="http://schemas.microsoft.com/office/drawing/2014/main" id="{5E04FC80-B8EB-4E31-AA53-994E1C9A5396}"/>
+              </a:ext>
+            </a:extLst>
+          </p:cNvPr>
+          <p:cNvCxnSpPr>
+            <a:cxnSpLocks/>
+          </p:cNvCxnSpPr>
+          <p:nvPr/>
+        </p:nvCxnSpPr>
+        <p:spPr>
+          <a:xfrm>
+            <a:off x="6742986" y="2327903"/>
+            <a:ext cx="294673" cy="239497"/>
+          </a:xfrm>
+          <a:prstGeom prst="line">
+            <a:avLst/>
+          </a:prstGeom>
+          <a:ln w="9525">
+            <a:solidFill>
+              <a:schemeClr val="accent4"/>
+            </a:solidFill>
+          </a:ln>
+        </p:spPr>
+        <p:style>
+          <a:lnRef idx="1">
+            <a:schemeClr val="accent1"/>
+          </a:lnRef>
+          <a:fillRef idx="0">
+            <a:schemeClr val="accent1"/>
+          </a:fillRef>
+          <a:effectRef idx="0">
+            <a:schemeClr val="accent1"/>
+          </a:effectRef>
+          <a:fontRef idx="minor">
+            <a:schemeClr val="tx1"/>
+          </a:fontRef>
+        </p:style>
+      </p:cxnSp>
+      <p:sp>
+        <p:nvSpPr>
+          <p:cNvPr id="35" name="Textfeld 34">
+            <a:extLst>
+              <a:ext uri="{FF2B5EF4-FFF2-40B4-BE49-F238E27FC236}">
+                <a16:creationId xmlns:a16="http://schemas.microsoft.com/office/drawing/2014/main" id="{6B406F29-934E-6C63-D943-6045837739A8}"/>
+              </a:ext>
+            </a:extLst>
+          </p:cNvPr>
+          <p:cNvSpPr txBox="1"/>
+          <p:nvPr/>
+        </p:nvSpPr>
+        <p:spPr>
+          <a:xfrm>
+            <a:off x="6473829" y="2854777"/>
+            <a:ext cx="532051" cy="261610"/>
+          </a:xfrm>
+          <a:prstGeom prst="rect">
+            <a:avLst/>
+          </a:prstGeom>
+          <a:noFill/>
+        </p:spPr>
+        <p:txBody>
+          <a:bodyPr wrap="square" rtlCol="0">
+            <a:spAutoFit/>
+          </a:bodyPr>
+          <a:lstStyle/>
+          <a:p>
+            <a:r>
+              <a:rPr lang="en-US" sz="1100" dirty="0">
+                <a:solidFill>
+                  <a:schemeClr val="accent4"/>
+                </a:solidFill>
+              </a:rPr>
+              <a:t>r+s</a:t>
+            </a:r>
+          </a:p>
+        </p:txBody>
+      </p:sp>
     </p:spTree>
     <p:extLst>
       <p:ext uri="{BB962C8B-B14F-4D97-AF65-F5344CB8AC3E}">
-        <p14:creationId xmlns:p14="http://schemas.microsoft.com/office/powerpoint/2010/main" val="2058230907"/>
+        <p14:creationId xmlns:p14="http://schemas.microsoft.com/office/powerpoint/2010/main" val="193885454"/>
+      </p:ext>
+    </p:extLst>
+  </p:cSld>
+  <p:clrMapOvr>
+    <a:masterClrMapping/>
+  </p:clrMapOvr>
+</p:sld>
+</file>
+
+<file path=ppt/slides/slide3.xml><?xml version="1.0" encoding="utf-8"?>
+<p:sld xmlns:a="http://schemas.openxmlformats.org/drawingml/2006/main" xmlns:r="http://schemas.openxmlformats.org/officeDocument/2006/relationships" xmlns:p="http://schemas.openxmlformats.org/presentationml/2006/main">
+  <p:cSld>
+    <p:spTree>
+      <p:nvGrpSpPr>
+        <p:cNvPr id="1" name=""/>
+        <p:cNvGrpSpPr/>
+        <p:nvPr/>
+      </p:nvGrpSpPr>
+      <p:grpSpPr>
+        <a:xfrm>
+          <a:off x="0" y="0"/>
+          <a:ext cx="0" cy="0"/>
+          <a:chOff x="0" y="0"/>
+          <a:chExt cx="0" cy="0"/>
+        </a:xfrm>
+      </p:grpSpPr>
+      <p:sp>
+        <p:nvSpPr>
+          <p:cNvPr id="63" name="Ellipse 62">
+            <a:extLst>
+              <a:ext uri="{FF2B5EF4-FFF2-40B4-BE49-F238E27FC236}">
+                <a16:creationId xmlns:a16="http://schemas.microsoft.com/office/drawing/2014/main" id="{E98F40B3-9CE7-179C-0625-6B0660A623E0}"/>
+              </a:ext>
+            </a:extLst>
+          </p:cNvPr>
+          <p:cNvSpPr/>
+          <p:nvPr/>
+        </p:nvSpPr>
+        <p:spPr>
+          <a:xfrm>
+            <a:off x="3289189" y="590464"/>
+            <a:ext cx="5368106" cy="5400000"/>
+          </a:xfrm>
+          <a:prstGeom prst="ellipse">
+            <a:avLst/>
+          </a:prstGeom>
+          <a:solidFill>
+            <a:schemeClr val="accent3">
+              <a:lumMod val="20000"/>
+              <a:lumOff val="80000"/>
+            </a:schemeClr>
+          </a:solidFill>
+        </p:spPr>
+        <p:style>
+          <a:lnRef idx="2">
+            <a:schemeClr val="accent1">
+              <a:shade val="15000"/>
+            </a:schemeClr>
+          </a:lnRef>
+          <a:fillRef idx="1">
+            <a:schemeClr val="accent1"/>
+          </a:fillRef>
+          <a:effectRef idx="0">
+            <a:schemeClr val="accent1"/>
+          </a:effectRef>
+          <a:fontRef idx="minor">
+            <a:schemeClr val="lt1"/>
+          </a:fontRef>
+        </p:style>
+        <p:txBody>
+          <a:bodyPr rtlCol="0" anchor="ctr"/>
+          <a:lstStyle/>
+          <a:p>
+            <a:pPr algn="ctr"/>
+            <a:endParaRPr lang="en-US"/>
+          </a:p>
+        </p:txBody>
+      </p:sp>
+      <p:sp>
+        <p:nvSpPr>
+          <p:cNvPr id="5" name="Ellipse 4">
+            <a:extLst>
+              <a:ext uri="{FF2B5EF4-FFF2-40B4-BE49-F238E27FC236}">
+                <a16:creationId xmlns:a16="http://schemas.microsoft.com/office/drawing/2014/main" id="{40D25A1A-8D7E-4119-9E6A-887DB8E69EC1}"/>
+              </a:ext>
+            </a:extLst>
+          </p:cNvPr>
+          <p:cNvSpPr/>
+          <p:nvPr/>
+        </p:nvSpPr>
+        <p:spPr>
+          <a:xfrm>
+            <a:off x="4705675" y="2013651"/>
+            <a:ext cx="2560174" cy="2575385"/>
+          </a:xfrm>
+          <a:prstGeom prst="ellipse">
+            <a:avLst/>
+          </a:prstGeom>
+          <a:solidFill>
+            <a:schemeClr val="bg1"/>
+          </a:solidFill>
+        </p:spPr>
+        <p:style>
+          <a:lnRef idx="2">
+            <a:schemeClr val="accent1">
+              <a:shade val="15000"/>
+            </a:schemeClr>
+          </a:lnRef>
+          <a:fillRef idx="1">
+            <a:schemeClr val="accent1"/>
+          </a:fillRef>
+          <a:effectRef idx="0">
+            <a:schemeClr val="accent1"/>
+          </a:effectRef>
+          <a:fontRef idx="minor">
+            <a:schemeClr val="lt1"/>
+          </a:fontRef>
+        </p:style>
+        <p:txBody>
+          <a:bodyPr rtlCol="0" anchor="ctr"/>
+          <a:lstStyle/>
+          <a:p>
+            <a:pPr algn="ctr"/>
+            <a:endParaRPr lang="en-US"/>
+          </a:p>
+        </p:txBody>
+      </p:sp>
+      <p:pic>
+        <p:nvPicPr>
+          <p:cNvPr id="6" name="Grafik 5">
+            <a:extLst>
+              <a:ext uri="{FF2B5EF4-FFF2-40B4-BE49-F238E27FC236}">
+                <a16:creationId xmlns:a16="http://schemas.microsoft.com/office/drawing/2014/main" id="{2669AB0C-8872-9F1F-C70E-8923C7B43B7F}"/>
+              </a:ext>
+            </a:extLst>
+          </p:cNvPr>
+          <p:cNvPicPr>
+            <a:picLocks noChangeAspect="1"/>
+          </p:cNvPicPr>
+          <p:nvPr/>
+        </p:nvPicPr>
+        <p:blipFill rotWithShape="1">
+          <a:blip r:embed="rId2">
+            <a:extLst>
+              <a:ext uri="{28A0092B-C50C-407E-A947-70E740481C1C}">
+                <a14:useLocalDpi xmlns:a14="http://schemas.microsoft.com/office/drawing/2010/main" val="0"/>
+              </a:ext>
+              <a:ext uri="{96DAC541-7B7A-43D3-8B79-37D633B846F1}">
+                <asvg:svgBlip xmlns:asvg="http://schemas.microsoft.com/office/drawing/2016/SVG/main" r:embed="rId3"/>
+              </a:ext>
+            </a:extLst>
+          </a:blip>
+          <a:srcRect l="21941" t="11256" r="19699" b="10652"/>
+          <a:stretch/>
+        </p:blipFill>
+        <p:spPr>
+          <a:xfrm>
+            <a:off x="4742328" y="2060254"/>
+            <a:ext cx="2472446" cy="2484000"/>
+          </a:xfrm>
+          <a:prstGeom prst="ellipse">
+            <a:avLst/>
+          </a:prstGeom>
+        </p:spPr>
+      </p:pic>
+      <p:cxnSp>
+        <p:nvCxnSpPr>
+          <p:cNvPr id="8" name="Gerader Verbinder 7">
+            <a:extLst>
+              <a:ext uri="{FF2B5EF4-FFF2-40B4-BE49-F238E27FC236}">
+                <a16:creationId xmlns:a16="http://schemas.microsoft.com/office/drawing/2014/main" id="{8D47468F-9B08-D632-678F-169F53FD2FE5}"/>
+              </a:ext>
+            </a:extLst>
+          </p:cNvPr>
+          <p:cNvCxnSpPr>
+            <a:cxnSpLocks/>
+          </p:cNvCxnSpPr>
+          <p:nvPr/>
+        </p:nvCxnSpPr>
+        <p:spPr>
+          <a:xfrm>
+            <a:off x="4705675" y="673574"/>
+            <a:ext cx="4038933" cy="3296258"/>
+          </a:xfrm>
+          <a:prstGeom prst="line">
+            <a:avLst/>
+          </a:prstGeom>
+          <a:ln w="19050">
+            <a:solidFill>
+              <a:schemeClr val="accent1"/>
+            </a:solidFill>
+          </a:ln>
+        </p:spPr>
+        <p:style>
+          <a:lnRef idx="1">
+            <a:schemeClr val="accent1"/>
+          </a:lnRef>
+          <a:fillRef idx="0">
+            <a:schemeClr val="accent1"/>
+          </a:fillRef>
+          <a:effectRef idx="0">
+            <a:schemeClr val="accent1"/>
+          </a:effectRef>
+          <a:fontRef idx="minor">
+            <a:schemeClr val="tx1"/>
+          </a:fontRef>
+        </p:style>
+      </p:cxnSp>
+      <p:cxnSp>
+        <p:nvCxnSpPr>
+          <p:cNvPr id="18" name="Gerader Verbinder 17">
+            <a:extLst>
+              <a:ext uri="{FF2B5EF4-FFF2-40B4-BE49-F238E27FC236}">
+                <a16:creationId xmlns:a16="http://schemas.microsoft.com/office/drawing/2014/main" id="{57123646-3BF5-FB1F-D831-85FF3B0F8DA0}"/>
+              </a:ext>
+            </a:extLst>
+          </p:cNvPr>
+          <p:cNvCxnSpPr>
+            <a:cxnSpLocks/>
+          </p:cNvCxnSpPr>
+          <p:nvPr/>
+        </p:nvCxnSpPr>
+        <p:spPr>
+          <a:xfrm flipV="1">
+            <a:off x="6002221" y="931894"/>
+            <a:ext cx="1812436" cy="2358570"/>
+          </a:xfrm>
+          <a:prstGeom prst="line">
+            <a:avLst/>
+          </a:prstGeom>
+          <a:ln w="19050">
+            <a:solidFill>
+              <a:schemeClr val="accent1"/>
+            </a:solidFill>
+          </a:ln>
+        </p:spPr>
+        <p:style>
+          <a:lnRef idx="1">
+            <a:schemeClr val="accent1"/>
+          </a:lnRef>
+          <a:fillRef idx="0">
+            <a:schemeClr val="accent1"/>
+          </a:fillRef>
+          <a:effectRef idx="0">
+            <a:schemeClr val="accent1"/>
+          </a:effectRef>
+          <a:fontRef idx="minor">
+            <a:schemeClr val="tx1"/>
+          </a:fontRef>
+        </p:style>
+      </p:cxnSp>
+      <p:cxnSp>
+        <p:nvCxnSpPr>
+          <p:cNvPr id="24" name="Gerader Verbinder 23">
+            <a:extLst>
+              <a:ext uri="{FF2B5EF4-FFF2-40B4-BE49-F238E27FC236}">
+                <a16:creationId xmlns:a16="http://schemas.microsoft.com/office/drawing/2014/main" id="{9EC979D4-BA88-8BF3-678B-43234DE3C8F5}"/>
+              </a:ext>
+            </a:extLst>
+          </p:cNvPr>
+          <p:cNvCxnSpPr>
+            <a:cxnSpLocks/>
+          </p:cNvCxnSpPr>
+          <p:nvPr/>
+        </p:nvCxnSpPr>
+        <p:spPr>
+          <a:xfrm flipV="1">
+            <a:off x="5991925" y="558800"/>
+            <a:ext cx="1117187" cy="2742543"/>
+          </a:xfrm>
+          <a:prstGeom prst="line">
+            <a:avLst/>
+          </a:prstGeom>
+          <a:ln w="19050">
+            <a:solidFill>
+              <a:srgbClr val="FF0000"/>
+            </a:solidFill>
+          </a:ln>
+        </p:spPr>
+        <p:style>
+          <a:lnRef idx="1">
+            <a:schemeClr val="accent1"/>
+          </a:lnRef>
+          <a:fillRef idx="0">
+            <a:schemeClr val="accent1"/>
+          </a:fillRef>
+          <a:effectRef idx="0">
+            <a:schemeClr val="accent1"/>
+          </a:effectRef>
+          <a:fontRef idx="minor">
+            <a:schemeClr val="tx1"/>
+          </a:fontRef>
+        </p:style>
+      </p:cxnSp>
+      <p:cxnSp>
+        <p:nvCxnSpPr>
+          <p:cNvPr id="26" name="Gerader Verbinder 25">
+            <a:extLst>
+              <a:ext uri="{FF2B5EF4-FFF2-40B4-BE49-F238E27FC236}">
+                <a16:creationId xmlns:a16="http://schemas.microsoft.com/office/drawing/2014/main" id="{259561A4-07CB-0060-0BF5-29DCF2C62C96}"/>
+              </a:ext>
+            </a:extLst>
+          </p:cNvPr>
+          <p:cNvCxnSpPr>
+            <a:cxnSpLocks/>
+          </p:cNvCxnSpPr>
+          <p:nvPr/>
+        </p:nvCxnSpPr>
+        <p:spPr>
+          <a:xfrm flipV="1">
+            <a:off x="5984901" y="1603375"/>
+            <a:ext cx="2454249" cy="1710582"/>
+          </a:xfrm>
+          <a:prstGeom prst="line">
+            <a:avLst/>
+          </a:prstGeom>
+          <a:ln w="19050">
+            <a:solidFill>
+              <a:srgbClr val="FF0000"/>
+            </a:solidFill>
+          </a:ln>
+        </p:spPr>
+        <p:style>
+          <a:lnRef idx="1">
+            <a:schemeClr val="accent2"/>
+          </a:lnRef>
+          <a:fillRef idx="0">
+            <a:schemeClr val="accent2"/>
+          </a:fillRef>
+          <a:effectRef idx="0">
+            <a:schemeClr val="accent2"/>
+          </a:effectRef>
+          <a:fontRef idx="minor">
+            <a:schemeClr val="tx1"/>
+          </a:fontRef>
+        </p:style>
+      </p:cxnSp>
+      <p:sp>
+        <p:nvSpPr>
+          <p:cNvPr id="95" name="Bogen 94">
+            <a:extLst>
+              <a:ext uri="{FF2B5EF4-FFF2-40B4-BE49-F238E27FC236}">
+                <a16:creationId xmlns:a16="http://schemas.microsoft.com/office/drawing/2014/main" id="{4BAB289C-338E-D187-0D23-56EB87272BC9}"/>
+              </a:ext>
+            </a:extLst>
+          </p:cNvPr>
+          <p:cNvSpPr/>
+          <p:nvPr/>
+        </p:nvSpPr>
+        <p:spPr>
+          <a:xfrm rot="422223">
+            <a:off x="6369441" y="2719367"/>
+            <a:ext cx="236881" cy="233263"/>
+          </a:xfrm>
+          <a:prstGeom prst="arc">
+            <a:avLst>
+              <a:gd name="adj1" fmla="val 14235875"/>
+              <a:gd name="adj2" fmla="val 1079874"/>
+            </a:avLst>
+          </a:prstGeom>
+          <a:ln w="12700">
+            <a:solidFill>
+              <a:schemeClr val="accent4"/>
+            </a:solidFill>
+          </a:ln>
+        </p:spPr>
+        <p:style>
+          <a:lnRef idx="1">
+            <a:schemeClr val="accent1"/>
+          </a:lnRef>
+          <a:fillRef idx="0">
+            <a:schemeClr val="accent1"/>
+          </a:fillRef>
+          <a:effectRef idx="0">
+            <a:schemeClr val="accent1"/>
+          </a:effectRef>
+          <a:fontRef idx="minor">
+            <a:schemeClr val="tx1"/>
+          </a:fontRef>
+        </p:style>
+        <p:txBody>
+          <a:bodyPr rtlCol="0" anchor="ctr"/>
+          <a:lstStyle/>
+          <a:p>
+            <a:pPr algn="ctr"/>
+            <a:endParaRPr lang="en-US">
+              <a:solidFill>
+                <a:srgbClr val="FF0000"/>
+              </a:solidFill>
+            </a:endParaRPr>
+          </a:p>
+        </p:txBody>
+      </p:sp>
+      <p:sp>
+        <p:nvSpPr>
+          <p:cNvPr id="96" name="Textfeld 95">
+            <a:extLst>
+              <a:ext uri="{FF2B5EF4-FFF2-40B4-BE49-F238E27FC236}">
+                <a16:creationId xmlns:a16="http://schemas.microsoft.com/office/drawing/2014/main" id="{6B59233C-3899-6AF5-17E5-3E0CFD0FCB64}"/>
+              </a:ext>
+            </a:extLst>
+          </p:cNvPr>
+          <p:cNvSpPr txBox="1"/>
+          <p:nvPr/>
+        </p:nvSpPr>
+        <p:spPr>
+          <a:xfrm>
+            <a:off x="6383985" y="2697498"/>
+            <a:ext cx="103896" cy="276999"/>
+          </a:xfrm>
+          <a:prstGeom prst="rect">
+            <a:avLst/>
+          </a:prstGeom>
+          <a:noFill/>
+        </p:spPr>
+        <p:txBody>
+          <a:bodyPr wrap="square" rtlCol="0">
+            <a:spAutoFit/>
+          </a:bodyPr>
+          <a:lstStyle/>
+          <a:p>
+            <a:r>
+              <a:rPr lang="en-US" sz="1200" b="1" dirty="0">
+                <a:solidFill>
+                  <a:schemeClr val="accent4"/>
+                </a:solidFill>
+                <a:latin typeface="Times New Roman" panose="02020603050405020304" pitchFamily="18" charset="0"/>
+                <a:cs typeface="Times New Roman" panose="02020603050405020304" pitchFamily="18" charset="0"/>
+                <a:sym typeface="Symbol" panose="05050102010706020507" pitchFamily="18" charset="2"/>
+              </a:rPr>
+              <a:t></a:t>
+            </a:r>
+            <a:endParaRPr lang="en-US" sz="900" b="1" dirty="0">
+              <a:solidFill>
+                <a:schemeClr val="accent4"/>
+              </a:solidFill>
+              <a:latin typeface="Times New Roman" panose="02020603050405020304" pitchFamily="18" charset="0"/>
+              <a:cs typeface="Times New Roman" panose="02020603050405020304" pitchFamily="18" charset="0"/>
+            </a:endParaRPr>
+          </a:p>
+        </p:txBody>
+      </p:sp>
+      <p:sp>
+        <p:nvSpPr>
+          <p:cNvPr id="102" name="Bogen 101">
+            <a:extLst>
+              <a:ext uri="{FF2B5EF4-FFF2-40B4-BE49-F238E27FC236}">
+                <a16:creationId xmlns:a16="http://schemas.microsoft.com/office/drawing/2014/main" id="{5D2F1159-4804-4027-EB65-A7D8565F5663}"/>
+              </a:ext>
+            </a:extLst>
+          </p:cNvPr>
+          <p:cNvSpPr/>
+          <p:nvPr/>
+        </p:nvSpPr>
+        <p:spPr>
+          <a:xfrm rot="2112522">
+            <a:off x="6636622" y="2240015"/>
+            <a:ext cx="206466" cy="207692"/>
+          </a:xfrm>
+          <a:prstGeom prst="arc">
+            <a:avLst/>
+          </a:prstGeom>
+          <a:ln w="12700">
+            <a:solidFill>
+              <a:schemeClr val="accent1"/>
+            </a:solidFill>
+          </a:ln>
+        </p:spPr>
+        <p:style>
+          <a:lnRef idx="1">
+            <a:schemeClr val="accent1"/>
+          </a:lnRef>
+          <a:fillRef idx="0">
+            <a:schemeClr val="accent1"/>
+          </a:fillRef>
+          <a:effectRef idx="0">
+            <a:schemeClr val="accent1"/>
+          </a:effectRef>
+          <a:fontRef idx="minor">
+            <a:schemeClr val="tx1"/>
+          </a:fontRef>
+        </p:style>
+        <p:txBody>
+          <a:bodyPr rtlCol="0" anchor="ctr"/>
+          <a:lstStyle/>
+          <a:p>
+            <a:pPr algn="ctr"/>
+            <a:endParaRPr lang="en-US">
+              <a:solidFill>
+                <a:srgbClr val="FF0000"/>
+              </a:solidFill>
+            </a:endParaRPr>
+          </a:p>
+        </p:txBody>
+      </p:sp>
+      <p:sp>
+        <p:nvSpPr>
+          <p:cNvPr id="103" name="Bogen 102">
+            <a:extLst>
+              <a:ext uri="{FF2B5EF4-FFF2-40B4-BE49-F238E27FC236}">
+                <a16:creationId xmlns:a16="http://schemas.microsoft.com/office/drawing/2014/main" id="{878D24DD-9A23-A7C5-5AC9-3DA2D8F48C3D}"/>
+              </a:ext>
+            </a:extLst>
+          </p:cNvPr>
+          <p:cNvSpPr/>
+          <p:nvPr/>
+        </p:nvSpPr>
+        <p:spPr>
+          <a:xfrm rot="7845321">
+            <a:off x="6644579" y="2229751"/>
+            <a:ext cx="207692" cy="206466"/>
+          </a:xfrm>
+          <a:prstGeom prst="arc">
+            <a:avLst/>
+          </a:prstGeom>
+          <a:ln w="12700">
+            <a:solidFill>
+              <a:schemeClr val="accent4"/>
+            </a:solidFill>
+          </a:ln>
+        </p:spPr>
+        <p:style>
+          <a:lnRef idx="1">
+            <a:schemeClr val="accent1"/>
+          </a:lnRef>
+          <a:fillRef idx="0">
+            <a:schemeClr val="accent1"/>
+          </a:fillRef>
+          <a:effectRef idx="0">
+            <a:schemeClr val="accent1"/>
+          </a:effectRef>
+          <a:fontRef idx="minor">
+            <a:schemeClr val="tx1"/>
+          </a:fontRef>
+        </p:style>
+        <p:txBody>
+          <a:bodyPr rtlCol="0" anchor="ctr"/>
+          <a:lstStyle/>
+          <a:p>
+            <a:pPr algn="ctr"/>
+            <a:endParaRPr lang="en-US">
+              <a:solidFill>
+                <a:schemeClr val="accent4"/>
+              </a:solidFill>
+            </a:endParaRPr>
+          </a:p>
+        </p:txBody>
+      </p:sp>
+      <p:sp>
+        <p:nvSpPr>
+          <p:cNvPr id="104" name="Textfeld 103">
+            <a:extLst>
+              <a:ext uri="{FF2B5EF4-FFF2-40B4-BE49-F238E27FC236}">
+                <a16:creationId xmlns:a16="http://schemas.microsoft.com/office/drawing/2014/main" id="{A3E1D09B-6D25-1C7B-63F2-F10FE595C5A7}"/>
+              </a:ext>
+            </a:extLst>
+          </p:cNvPr>
+          <p:cNvSpPr txBox="1"/>
+          <p:nvPr/>
+        </p:nvSpPr>
+        <p:spPr>
+          <a:xfrm>
+            <a:off x="6682152" y="2148989"/>
+            <a:ext cx="75003" cy="369332"/>
+          </a:xfrm>
+          <a:prstGeom prst="rect">
+            <a:avLst/>
+          </a:prstGeom>
+          <a:noFill/>
+        </p:spPr>
+        <p:txBody>
+          <a:bodyPr wrap="square" rtlCol="0">
+            <a:spAutoFit/>
+          </a:bodyPr>
+          <a:lstStyle/>
+          <a:p>
+            <a:r>
+              <a:rPr lang="en-US" dirty="0">
+                <a:solidFill>
+                  <a:schemeClr val="accent4"/>
+                </a:solidFill>
+              </a:rPr>
+              <a:t>.</a:t>
+            </a:r>
+          </a:p>
+        </p:txBody>
+      </p:sp>
+      <p:sp>
+        <p:nvSpPr>
+          <p:cNvPr id="106" name="Textfeld 105">
+            <a:extLst>
+              <a:ext uri="{FF2B5EF4-FFF2-40B4-BE49-F238E27FC236}">
+                <a16:creationId xmlns:a16="http://schemas.microsoft.com/office/drawing/2014/main" id="{ACD1F40E-19CF-7D95-E324-85199DCB6330}"/>
+              </a:ext>
+            </a:extLst>
+          </p:cNvPr>
+          <p:cNvSpPr txBox="1"/>
+          <p:nvPr/>
+        </p:nvSpPr>
+        <p:spPr>
+          <a:xfrm>
+            <a:off x="6682112" y="2082211"/>
+            <a:ext cx="190416" cy="369332"/>
+          </a:xfrm>
+          <a:prstGeom prst="rect">
+            <a:avLst/>
+          </a:prstGeom>
+          <a:noFill/>
+        </p:spPr>
+        <p:txBody>
+          <a:bodyPr wrap="square">
+            <a:spAutoFit/>
+          </a:bodyPr>
+          <a:lstStyle/>
+          <a:p>
+            <a:r>
+              <a:rPr lang="en-US" dirty="0">
+                <a:solidFill>
+                  <a:schemeClr val="accent1"/>
+                </a:solidFill>
+              </a:rPr>
+              <a:t>.</a:t>
+            </a:r>
+          </a:p>
+        </p:txBody>
+      </p:sp>
+      <p:cxnSp>
+        <p:nvCxnSpPr>
+          <p:cNvPr id="3" name="Gerader Verbinder 2">
+            <a:extLst>
+              <a:ext uri="{FF2B5EF4-FFF2-40B4-BE49-F238E27FC236}">
+                <a16:creationId xmlns:a16="http://schemas.microsoft.com/office/drawing/2014/main" id="{257E818C-94A9-F63F-5F7B-F8E7DF68DD43}"/>
+              </a:ext>
+            </a:extLst>
+          </p:cNvPr>
+          <p:cNvCxnSpPr>
+            <a:cxnSpLocks/>
+          </p:cNvCxnSpPr>
+          <p:nvPr/>
+        </p:nvCxnSpPr>
+        <p:spPr>
+          <a:xfrm flipV="1">
+            <a:off x="6010449" y="2338522"/>
+            <a:ext cx="734703" cy="953020"/>
+          </a:xfrm>
+          <a:prstGeom prst="line">
+            <a:avLst/>
+          </a:prstGeom>
+          <a:ln w="12700">
+            <a:solidFill>
+              <a:schemeClr val="accent4"/>
+            </a:solidFill>
+          </a:ln>
+        </p:spPr>
+        <p:style>
+          <a:lnRef idx="1">
+            <a:schemeClr val="accent1"/>
+          </a:lnRef>
+          <a:fillRef idx="0">
+            <a:schemeClr val="accent1"/>
+          </a:fillRef>
+          <a:effectRef idx="0">
+            <a:schemeClr val="accent1"/>
+          </a:effectRef>
+          <a:fontRef idx="minor">
+            <a:schemeClr val="tx1"/>
+          </a:fontRef>
+        </p:style>
+      </p:cxnSp>
+      <p:sp>
+        <p:nvSpPr>
+          <p:cNvPr id="13" name="Textfeld 12">
+            <a:extLst>
+              <a:ext uri="{FF2B5EF4-FFF2-40B4-BE49-F238E27FC236}">
+                <a16:creationId xmlns:a16="http://schemas.microsoft.com/office/drawing/2014/main" id="{BD2E4593-BFDF-F945-F20C-36C7C1857B1B}"/>
+              </a:ext>
+            </a:extLst>
+          </p:cNvPr>
+          <p:cNvSpPr txBox="1"/>
+          <p:nvPr/>
+        </p:nvSpPr>
+        <p:spPr>
+          <a:xfrm>
+            <a:off x="6380117" y="2405930"/>
+            <a:ext cx="128816" cy="261610"/>
+          </a:xfrm>
+          <a:prstGeom prst="rect">
+            <a:avLst/>
+          </a:prstGeom>
+          <a:noFill/>
+        </p:spPr>
+        <p:txBody>
+          <a:bodyPr wrap="square" rtlCol="0">
+            <a:spAutoFit/>
+          </a:bodyPr>
+          <a:lstStyle/>
+          <a:p>
+            <a:r>
+              <a:rPr lang="en-US" sz="1100" dirty="0">
+                <a:solidFill>
+                  <a:schemeClr val="accent4"/>
+                </a:solidFill>
+                <a:latin typeface="Times New Roman" panose="02020603050405020304" pitchFamily="18" charset="0"/>
+                <a:cs typeface="Times New Roman" panose="02020603050405020304" pitchFamily="18" charset="0"/>
+              </a:rPr>
+              <a:t>r</a:t>
+            </a:r>
+          </a:p>
+        </p:txBody>
+      </p:sp>
+      <p:cxnSp>
+        <p:nvCxnSpPr>
+          <p:cNvPr id="19" name="Gerader Verbinder 18">
+            <a:extLst>
+              <a:ext uri="{FF2B5EF4-FFF2-40B4-BE49-F238E27FC236}">
+                <a16:creationId xmlns:a16="http://schemas.microsoft.com/office/drawing/2014/main" id="{968459A8-12ED-E91A-0D8E-CC52B55B30D6}"/>
+              </a:ext>
+            </a:extLst>
+          </p:cNvPr>
+          <p:cNvCxnSpPr>
+            <a:cxnSpLocks/>
+          </p:cNvCxnSpPr>
+          <p:nvPr/>
+        </p:nvCxnSpPr>
+        <p:spPr>
+          <a:xfrm flipV="1">
+            <a:off x="5991925" y="2576444"/>
+            <a:ext cx="1041660" cy="724899"/>
+          </a:xfrm>
+          <a:prstGeom prst="line">
+            <a:avLst/>
+          </a:prstGeom>
+          <a:ln w="12700">
+            <a:solidFill>
+              <a:schemeClr val="accent4"/>
+            </a:solidFill>
+          </a:ln>
+        </p:spPr>
+        <p:style>
+          <a:lnRef idx="1">
+            <a:schemeClr val="accent1"/>
+          </a:lnRef>
+          <a:fillRef idx="0">
+            <a:schemeClr val="accent1"/>
+          </a:fillRef>
+          <a:effectRef idx="0">
+            <a:schemeClr val="accent1"/>
+          </a:effectRef>
+          <a:fontRef idx="minor">
+            <a:schemeClr val="tx1"/>
+          </a:fontRef>
+        </p:style>
+      </p:cxnSp>
+      <p:cxnSp>
+        <p:nvCxnSpPr>
+          <p:cNvPr id="25" name="Gerader Verbinder 24">
+            <a:extLst>
+              <a:ext uri="{FF2B5EF4-FFF2-40B4-BE49-F238E27FC236}">
+                <a16:creationId xmlns:a16="http://schemas.microsoft.com/office/drawing/2014/main" id="{5E04FC80-B8EB-4E31-AA53-994E1C9A5396}"/>
+              </a:ext>
+            </a:extLst>
+          </p:cNvPr>
+          <p:cNvCxnSpPr>
+            <a:cxnSpLocks/>
+          </p:cNvCxnSpPr>
+          <p:nvPr/>
+        </p:nvCxnSpPr>
+        <p:spPr>
+          <a:xfrm>
+            <a:off x="6734494" y="2339156"/>
+            <a:ext cx="294673" cy="239497"/>
+          </a:xfrm>
+          <a:prstGeom prst="line">
+            <a:avLst/>
+          </a:prstGeom>
+          <a:ln w="12700">
+            <a:solidFill>
+              <a:schemeClr val="accent4"/>
+            </a:solidFill>
+          </a:ln>
+        </p:spPr>
+        <p:style>
+          <a:lnRef idx="1">
+            <a:schemeClr val="accent1"/>
+          </a:lnRef>
+          <a:fillRef idx="0">
+            <a:schemeClr val="accent1"/>
+          </a:fillRef>
+          <a:effectRef idx="0">
+            <a:schemeClr val="accent1"/>
+          </a:effectRef>
+          <a:fontRef idx="minor">
+            <a:schemeClr val="tx1"/>
+          </a:fontRef>
+        </p:style>
+      </p:cxnSp>
+      <p:sp>
+        <p:nvSpPr>
+          <p:cNvPr id="35" name="Textfeld 34">
+            <a:extLst>
+              <a:ext uri="{FF2B5EF4-FFF2-40B4-BE49-F238E27FC236}">
+                <a16:creationId xmlns:a16="http://schemas.microsoft.com/office/drawing/2014/main" id="{6B406F29-934E-6C63-D943-6045837739A8}"/>
+              </a:ext>
+            </a:extLst>
+          </p:cNvPr>
+          <p:cNvSpPr txBox="1"/>
+          <p:nvPr/>
+        </p:nvSpPr>
+        <p:spPr>
+          <a:xfrm>
+            <a:off x="6674318" y="2703749"/>
+            <a:ext cx="532051" cy="261610"/>
+          </a:xfrm>
+          <a:prstGeom prst="rect">
+            <a:avLst/>
+          </a:prstGeom>
+          <a:noFill/>
+        </p:spPr>
+        <p:txBody>
+          <a:bodyPr wrap="square" rtlCol="0">
+            <a:spAutoFit/>
+          </a:bodyPr>
+          <a:lstStyle/>
+          <a:p>
+            <a:r>
+              <a:rPr lang="en-US" sz="1100" dirty="0">
+                <a:solidFill>
+                  <a:schemeClr val="accent4"/>
+                </a:solidFill>
+                <a:latin typeface="Times New Roman" panose="02020603050405020304" pitchFamily="18" charset="0"/>
+                <a:cs typeface="Times New Roman" panose="02020603050405020304" pitchFamily="18" charset="0"/>
+              </a:rPr>
+              <a:t>r+s</a:t>
+            </a:r>
+          </a:p>
+        </p:txBody>
+      </p:sp>
+    </p:spTree>
+    <p:extLst>
+      <p:ext uri="{BB962C8B-B14F-4D97-AF65-F5344CB8AC3E}">
+        <p14:creationId xmlns:p14="http://schemas.microsoft.com/office/powerpoint/2010/main" val="2765859416"/>
       </p:ext>
     </p:extLst>
   </p:cSld>

--- a/doc/schema/schematic_plot.pptx
+++ b/doc/schema/schematic_plot.pptx
@@ -6,8 +6,10 @@
   </p:sldMasterIdLst>
   <p:sldIdLst>
     <p:sldId id="262" r:id="rId2"/>
-    <p:sldId id="258" r:id="rId3"/>
-    <p:sldId id="259" r:id="rId4"/>
+    <p:sldId id="263" r:id="rId3"/>
+    <p:sldId id="258" r:id="rId4"/>
+    <p:sldId id="259" r:id="rId5"/>
+    <p:sldId id="264" r:id="rId6"/>
   </p:sldIdLst>
   <p:sldSz cx="12192000" cy="6858000"/>
   <p:notesSz cx="6858000" cy="9144000"/>
@@ -114,6 +116,14 @@
 </p:presentation>
 </file>
 
+<file path=ppt/revisionInfo.xml><?xml version="1.0" encoding="utf-8"?>
+<p1510:revInfo xmlns:a="http://schemas.openxmlformats.org/drawingml/2006/main" xmlns:r="http://schemas.openxmlformats.org/officeDocument/2006/relationships" xmlns:p1510="http://schemas.microsoft.com/office/powerpoint/2015/10/main">
+  <p1510:revLst>
+    <p1510:client id="{0A7B036E-1DF5-4F0B-825A-ADB06D805479}" v="2" dt="2024-01-24T15:14:29.811"/>
+  </p1510:revLst>
+</p1510:revInfo>
+</file>
+
 <file path=ppt/changesInfos/changesInfo1.xml><?xml version="1.0" encoding="utf-8"?>
 <pc:chgInfo xmlns:a="http://schemas.openxmlformats.org/drawingml/2006/main" xmlns:r="http://schemas.openxmlformats.org/officeDocument/2006/relationships" xmlns:ac="http://schemas.microsoft.com/office/drawing/2013/main/command" xmlns:pc="http://schemas.microsoft.com/office/powerpoint/2013/main/command">
   <pc:docChgLst>
@@ -153,6 +163,220 @@
             <ac:cxnSpMk id="8" creationId="{8D47468F-9B08-D632-678F-169F53FD2FE5}"/>
           </ac:cxnSpMkLst>
         </pc:cxnChg>
+      </pc:sldChg>
+    </pc:docChg>
+  </pc:docChgLst>
+  <pc:docChgLst>
+    <pc:chgData name="Timo Luebbing" userId="3558e4686926b9e5" providerId="LiveId" clId="{0A7B036E-1DF5-4F0B-825A-ADB06D805479}"/>
+    <pc:docChg chg="undo custSel addSld modSld">
+      <pc:chgData name="Timo Luebbing" userId="3558e4686926b9e5" providerId="LiveId" clId="{0A7B036E-1DF5-4F0B-825A-ADB06D805479}" dt="2024-01-24T15:15:29.478" v="14" actId="1076"/>
+      <pc:docMkLst>
+        <pc:docMk/>
+      </pc:docMkLst>
+      <pc:sldChg chg="addSp delSp modSp mod">
+        <pc:chgData name="Timo Luebbing" userId="3558e4686926b9e5" providerId="LiveId" clId="{0A7B036E-1DF5-4F0B-825A-ADB06D805479}" dt="2024-01-24T15:10:23.386" v="3" actId="22"/>
+        <pc:sldMkLst>
+          <pc:docMk/>
+          <pc:sldMk cId="3581176536" sldId="262"/>
+        </pc:sldMkLst>
+        <pc:spChg chg="add del">
+          <ac:chgData name="Timo Luebbing" userId="3558e4686926b9e5" providerId="LiveId" clId="{0A7B036E-1DF5-4F0B-825A-ADB06D805479}" dt="2024-01-24T15:10:23.386" v="3" actId="22"/>
+          <ac:spMkLst>
+            <pc:docMk/>
+            <pc:sldMk cId="3581176536" sldId="262"/>
+            <ac:spMk id="5" creationId="{64F96578-D989-607B-092B-5C360EE2AB4A}"/>
+          </ac:spMkLst>
+        </pc:spChg>
+        <pc:spChg chg="mod">
+          <ac:chgData name="Timo Luebbing" userId="3558e4686926b9e5" providerId="LiveId" clId="{0A7B036E-1DF5-4F0B-825A-ADB06D805479}" dt="2024-01-24T15:07:48.212" v="1" actId="34135"/>
+          <ac:spMkLst>
+            <pc:docMk/>
+            <pc:sldMk cId="3581176536" sldId="262"/>
+            <ac:spMk id="12" creationId="{F812A336-0D91-D6DA-E487-A410B7A87CA1}"/>
+          </ac:spMkLst>
+        </pc:spChg>
+        <pc:spChg chg="mod">
+          <ac:chgData name="Timo Luebbing" userId="3558e4686926b9e5" providerId="LiveId" clId="{0A7B036E-1DF5-4F0B-825A-ADB06D805479}" dt="2024-01-24T15:07:48.212" v="1" actId="34135"/>
+          <ac:spMkLst>
+            <pc:docMk/>
+            <pc:sldMk cId="3581176536" sldId="262"/>
+            <ac:spMk id="55" creationId="{F604F53B-173A-BBAB-B854-A49BE5FB9C93}"/>
+          </ac:spMkLst>
+        </pc:spChg>
+        <pc:spChg chg="mod">
+          <ac:chgData name="Timo Luebbing" userId="3558e4686926b9e5" providerId="LiveId" clId="{0A7B036E-1DF5-4F0B-825A-ADB06D805479}" dt="2024-01-24T15:07:48.212" v="1" actId="34135"/>
+          <ac:spMkLst>
+            <pc:docMk/>
+            <pc:sldMk cId="3581176536" sldId="262"/>
+            <ac:spMk id="63" creationId="{E98F40B3-9CE7-179C-0625-6B0660A623E0}"/>
+          </ac:spMkLst>
+        </pc:spChg>
+        <pc:spChg chg="mod">
+          <ac:chgData name="Timo Luebbing" userId="3558e4686926b9e5" providerId="LiveId" clId="{0A7B036E-1DF5-4F0B-825A-ADB06D805479}" dt="2024-01-24T15:07:48.212" v="1" actId="34135"/>
+          <ac:spMkLst>
+            <pc:docMk/>
+            <pc:sldMk cId="3581176536" sldId="262"/>
+            <ac:spMk id="95" creationId="{4BAB289C-338E-D187-0D23-56EB87272BC9}"/>
+          </ac:spMkLst>
+        </pc:spChg>
+        <pc:spChg chg="mod">
+          <ac:chgData name="Timo Luebbing" userId="3558e4686926b9e5" providerId="LiveId" clId="{0A7B036E-1DF5-4F0B-825A-ADB06D805479}" dt="2024-01-24T15:07:48.212" v="1" actId="34135"/>
+          <ac:spMkLst>
+            <pc:docMk/>
+            <pc:sldMk cId="3581176536" sldId="262"/>
+            <ac:spMk id="96" creationId="{6B59233C-3899-6AF5-17E5-3E0CFD0FCB64}"/>
+          </ac:spMkLst>
+        </pc:spChg>
+        <pc:spChg chg="mod">
+          <ac:chgData name="Timo Luebbing" userId="3558e4686926b9e5" providerId="LiveId" clId="{0A7B036E-1DF5-4F0B-825A-ADB06D805479}" dt="2024-01-24T15:07:48.212" v="1" actId="34135"/>
+          <ac:spMkLst>
+            <pc:docMk/>
+            <pc:sldMk cId="3581176536" sldId="262"/>
+            <ac:spMk id="102" creationId="{5D2F1159-4804-4027-EB65-A7D8565F5663}"/>
+          </ac:spMkLst>
+        </pc:spChg>
+        <pc:spChg chg="mod">
+          <ac:chgData name="Timo Luebbing" userId="3558e4686926b9e5" providerId="LiveId" clId="{0A7B036E-1DF5-4F0B-825A-ADB06D805479}" dt="2024-01-24T15:07:48.212" v="1" actId="34135"/>
+          <ac:spMkLst>
+            <pc:docMk/>
+            <pc:sldMk cId="3581176536" sldId="262"/>
+            <ac:spMk id="103" creationId="{878D24DD-9A23-A7C5-5AC9-3DA2D8F48C3D}"/>
+          </ac:spMkLst>
+        </pc:spChg>
+        <pc:spChg chg="mod">
+          <ac:chgData name="Timo Luebbing" userId="3558e4686926b9e5" providerId="LiveId" clId="{0A7B036E-1DF5-4F0B-825A-ADB06D805479}" dt="2024-01-24T15:07:48.212" v="1" actId="34135"/>
+          <ac:spMkLst>
+            <pc:docMk/>
+            <pc:sldMk cId="3581176536" sldId="262"/>
+            <ac:spMk id="104" creationId="{A3E1D09B-6D25-1C7B-63F2-F10FE595C5A7}"/>
+          </ac:spMkLst>
+        </pc:spChg>
+        <pc:spChg chg="mod">
+          <ac:chgData name="Timo Luebbing" userId="3558e4686926b9e5" providerId="LiveId" clId="{0A7B036E-1DF5-4F0B-825A-ADB06D805479}" dt="2024-01-24T15:07:48.212" v="1" actId="34135"/>
+          <ac:spMkLst>
+            <pc:docMk/>
+            <pc:sldMk cId="3581176536" sldId="262"/>
+            <ac:spMk id="106" creationId="{ACD1F40E-19CF-7D95-E324-85199DCB6330}"/>
+          </ac:spMkLst>
+        </pc:spChg>
+        <pc:grpChg chg="mod">
+          <ac:chgData name="Timo Luebbing" userId="3558e4686926b9e5" providerId="LiveId" clId="{0A7B036E-1DF5-4F0B-825A-ADB06D805479}" dt="2024-01-24T15:07:48.212" v="1" actId="34135"/>
+          <ac:grpSpMkLst>
+            <pc:docMk/>
+            <pc:sldMk cId="3581176536" sldId="262"/>
+            <ac:grpSpMk id="88" creationId="{95316E46-944E-E705-F096-0512C8FB4572}"/>
+          </ac:grpSpMkLst>
+        </pc:grpChg>
+        <pc:grpChg chg="mod">
+          <ac:chgData name="Timo Luebbing" userId="3558e4686926b9e5" providerId="LiveId" clId="{0A7B036E-1DF5-4F0B-825A-ADB06D805479}" dt="2024-01-24T15:07:48.212" v="1" actId="34135"/>
+          <ac:grpSpMkLst>
+            <pc:docMk/>
+            <pc:sldMk cId="3581176536" sldId="262"/>
+            <ac:grpSpMk id="108" creationId="{3522A103-4097-B990-680B-24D1583D9BEF}"/>
+          </ac:grpSpMkLst>
+        </pc:grpChg>
+        <pc:picChg chg="mod">
+          <ac:chgData name="Timo Luebbing" userId="3558e4686926b9e5" providerId="LiveId" clId="{0A7B036E-1DF5-4F0B-825A-ADB06D805479}" dt="2024-01-24T15:07:48.212" v="1" actId="34135"/>
+          <ac:picMkLst>
+            <pc:docMk/>
+            <pc:sldMk cId="3581176536" sldId="262"/>
+            <ac:picMk id="77" creationId="{A6C7A90A-BE5E-2B3A-E34A-46CD63AC1DA6}"/>
+          </ac:picMkLst>
+        </pc:picChg>
+        <pc:cxnChg chg="mod">
+          <ac:chgData name="Timo Luebbing" userId="3558e4686926b9e5" providerId="LiveId" clId="{0A7B036E-1DF5-4F0B-825A-ADB06D805479}" dt="2024-01-24T15:07:48.212" v="1" actId="34135"/>
+          <ac:cxnSpMkLst>
+            <pc:docMk/>
+            <pc:sldMk cId="3581176536" sldId="262"/>
+            <ac:cxnSpMk id="8" creationId="{8D47468F-9B08-D632-678F-169F53FD2FE5}"/>
+          </ac:cxnSpMkLst>
+        </pc:cxnChg>
+        <pc:cxnChg chg="mod">
+          <ac:chgData name="Timo Luebbing" userId="3558e4686926b9e5" providerId="LiveId" clId="{0A7B036E-1DF5-4F0B-825A-ADB06D805479}" dt="2024-01-24T15:07:48.212" v="1" actId="34135"/>
+          <ac:cxnSpMkLst>
+            <pc:docMk/>
+            <pc:sldMk cId="3581176536" sldId="262"/>
+            <ac:cxnSpMk id="18" creationId="{57123646-3BF5-FB1F-D831-85FF3B0F8DA0}"/>
+          </ac:cxnSpMkLst>
+        </pc:cxnChg>
+        <pc:cxnChg chg="mod">
+          <ac:chgData name="Timo Luebbing" userId="3558e4686926b9e5" providerId="LiveId" clId="{0A7B036E-1DF5-4F0B-825A-ADB06D805479}" dt="2024-01-24T15:07:48.212" v="1" actId="34135"/>
+          <ac:cxnSpMkLst>
+            <pc:docMk/>
+            <pc:sldMk cId="3581176536" sldId="262"/>
+            <ac:cxnSpMk id="24" creationId="{9EC979D4-BA88-8BF3-678B-43234DE3C8F5}"/>
+          </ac:cxnSpMkLst>
+        </pc:cxnChg>
+        <pc:cxnChg chg="mod">
+          <ac:chgData name="Timo Luebbing" userId="3558e4686926b9e5" providerId="LiveId" clId="{0A7B036E-1DF5-4F0B-825A-ADB06D805479}" dt="2024-01-24T15:07:48.212" v="1" actId="34135"/>
+          <ac:cxnSpMkLst>
+            <pc:docMk/>
+            <pc:sldMk cId="3581176536" sldId="262"/>
+            <ac:cxnSpMk id="26" creationId="{259561A4-07CB-0060-0BF5-29DCF2C62C96}"/>
+          </ac:cxnSpMkLst>
+        </pc:cxnChg>
+      </pc:sldChg>
+      <pc:sldChg chg="addSp modSp add">
+        <pc:chgData name="Timo Luebbing" userId="3558e4686926b9e5" providerId="LiveId" clId="{0A7B036E-1DF5-4F0B-825A-ADB06D805479}" dt="2024-01-24T15:10:36.664" v="5" actId="164"/>
+        <pc:sldMkLst>
+          <pc:docMk/>
+          <pc:sldMk cId="547682089" sldId="263"/>
+        </pc:sldMkLst>
+        <pc:grpChg chg="add mod">
+          <ac:chgData name="Timo Luebbing" userId="3558e4686926b9e5" providerId="LiveId" clId="{0A7B036E-1DF5-4F0B-825A-ADB06D805479}" dt="2024-01-24T15:10:36.664" v="5" actId="164"/>
+          <ac:grpSpMkLst>
+            <pc:docMk/>
+            <pc:sldMk cId="547682089" sldId="263"/>
+            <ac:grpSpMk id="2" creationId="{9CCF46ED-A521-92FA-E57B-BEC75CA1F013}"/>
+          </ac:grpSpMkLst>
+        </pc:grpChg>
+        <pc:grpChg chg="mod">
+          <ac:chgData name="Timo Luebbing" userId="3558e4686926b9e5" providerId="LiveId" clId="{0A7B036E-1DF5-4F0B-825A-ADB06D805479}" dt="2024-01-24T15:10:36.664" v="5" actId="164"/>
+          <ac:grpSpMkLst>
+            <pc:docMk/>
+            <pc:sldMk cId="547682089" sldId="263"/>
+            <ac:grpSpMk id="4" creationId="{F699F651-2036-1292-42F8-9CD37D38C211}"/>
+          </ac:grpSpMkLst>
+        </pc:grpChg>
+        <pc:grpChg chg="mod">
+          <ac:chgData name="Timo Luebbing" userId="3558e4686926b9e5" providerId="LiveId" clId="{0A7B036E-1DF5-4F0B-825A-ADB06D805479}" dt="2024-01-24T15:10:36.664" v="5" actId="164"/>
+          <ac:grpSpMkLst>
+            <pc:docMk/>
+            <pc:sldMk cId="547682089" sldId="263"/>
+            <ac:grpSpMk id="108" creationId="{3522A103-4097-B990-680B-24D1583D9BEF}"/>
+          </ac:grpSpMkLst>
+        </pc:grpChg>
+      </pc:sldChg>
+      <pc:sldChg chg="addSp delSp modSp new mod">
+        <pc:chgData name="Timo Luebbing" userId="3558e4686926b9e5" providerId="LiveId" clId="{0A7B036E-1DF5-4F0B-825A-ADB06D805479}" dt="2024-01-24T15:15:29.478" v="14" actId="1076"/>
+        <pc:sldMkLst>
+          <pc:docMk/>
+          <pc:sldMk cId="3565622246" sldId="264"/>
+        </pc:sldMkLst>
+        <pc:spChg chg="del">
+          <ac:chgData name="Timo Luebbing" userId="3558e4686926b9e5" providerId="LiveId" clId="{0A7B036E-1DF5-4F0B-825A-ADB06D805479}" dt="2024-01-24T15:14:05.447" v="8" actId="478"/>
+          <ac:spMkLst>
+            <pc:docMk/>
+            <pc:sldMk cId="3565622246" sldId="264"/>
+            <ac:spMk id="2" creationId="{C55C7812-C1BC-734F-7E9F-8EBBEADE2A95}"/>
+          </ac:spMkLst>
+        </pc:spChg>
+        <pc:spChg chg="del">
+          <ac:chgData name="Timo Luebbing" userId="3558e4686926b9e5" providerId="LiveId" clId="{0A7B036E-1DF5-4F0B-825A-ADB06D805479}" dt="2024-01-24T15:14:03.673" v="7" actId="478"/>
+          <ac:spMkLst>
+            <pc:docMk/>
+            <pc:sldMk cId="3565622246" sldId="264"/>
+            <ac:spMk id="3" creationId="{D1013452-8747-5B4A-A623-834F0BBA4ED2}"/>
+          </ac:spMkLst>
+        </pc:spChg>
+        <pc:picChg chg="add mod modCrop">
+          <ac:chgData name="Timo Luebbing" userId="3558e4686926b9e5" providerId="LiveId" clId="{0A7B036E-1DF5-4F0B-825A-ADB06D805479}" dt="2024-01-24T15:15:29.478" v="14" actId="1076"/>
+          <ac:picMkLst>
+            <pc:docMk/>
+            <pc:sldMk cId="3565622246" sldId="264"/>
+            <ac:picMk id="5" creationId="{B370A674-ED61-BFEF-6DFF-460B43BEBC6E}"/>
+          </ac:picMkLst>
+        </pc:picChg>
       </pc:sldChg>
     </pc:docChg>
   </pc:docChgLst>
@@ -3403,7 +3627,9 @@
               </a:ext>
             </a:extLst>
           </p:cNvPr>
-          <p:cNvGrpSpPr/>
+          <p:cNvGrpSpPr>
+            <a:grpSpLocks/>
+          </p:cNvGrpSpPr>
           <p:nvPr/>
         </p:nvGrpSpPr>
         <p:grpSpPr>
@@ -3423,7 +3649,9 @@
                 </a:ext>
               </a:extLst>
             </p:cNvPr>
-            <p:cNvGrpSpPr/>
+            <p:cNvGrpSpPr>
+              <a:grpSpLocks/>
+            </p:cNvGrpSpPr>
             <p:nvPr/>
           </p:nvGrpSpPr>
           <p:grpSpPr>
@@ -3443,7 +3671,9 @@
                   </a:ext>
                 </a:extLst>
               </p:cNvPr>
-              <p:cNvSpPr/>
+              <p:cNvSpPr>
+                <a:spLocks/>
+              </p:cNvSpPr>
               <p:nvPr/>
             </p:nvSpPr>
             <p:spPr>
@@ -3495,7 +3725,9 @@
                   </a:ext>
                 </a:extLst>
               </p:cNvPr>
-              <p:cNvSpPr/>
+              <p:cNvSpPr>
+                <a:spLocks/>
+              </p:cNvSpPr>
               <p:nvPr/>
             </p:nvSpPr>
             <p:spPr>
@@ -3544,7 +3776,9 @@
                   </a:ext>
                 </a:extLst>
               </p:cNvPr>
-              <p:cNvSpPr/>
+              <p:cNvSpPr>
+                <a:spLocks/>
+              </p:cNvSpPr>
               <p:nvPr/>
             </p:nvSpPr>
             <p:spPr>
@@ -3795,7 +4029,9 @@
                 </a:ext>
               </a:extLst>
             </p:cNvPr>
-            <p:cNvSpPr/>
+            <p:cNvSpPr>
+              <a:spLocks/>
+            </p:cNvSpPr>
             <p:nvPr/>
           </p:nvSpPr>
           <p:spPr>
@@ -3842,8 +4078,8 @@
             </a:p>
           </p:txBody>
         </p:sp>
-        <mc:AlternateContent xmlns:mc="http://schemas.openxmlformats.org/markup-compatibility/2006" xmlns:a14="http://schemas.microsoft.com/office/drawing/2010/main">
-          <mc:Choice Requires="a14">
+        <mc:AlternateContent xmlns:mc="http://schemas.openxmlformats.org/markup-compatibility/2006">
+          <mc:Choice xmlns:a14="http://schemas.microsoft.com/office/drawing/2010/main" Requires="a14">
             <p:sp>
               <p:nvSpPr>
                 <p:cNvPr id="96" name="Textfeld 95">
@@ -3853,7 +4089,9 @@
                     </a:ext>
                   </a:extLst>
                 </p:cNvPr>
-                <p:cNvSpPr txBox="1"/>
+                <p:cNvSpPr txBox="1">
+                  <a:spLocks/>
+                </p:cNvSpPr>
                 <p:nvPr/>
               </p:nvSpPr>
               <p:spPr>
@@ -3901,7 +4139,7 @@
               </p:txBody>
             </p:sp>
           </mc:Choice>
-          <mc:Fallback xmlns="">
+          <mc:Fallback>
             <p:sp>
               <p:nvSpPr>
                 <p:cNvPr id="96" name="Textfeld 95">
@@ -3936,7 +4174,7 @@
                 <a:lstStyle/>
                 <a:p>
                   <a:r>
-                    <a:rPr lang="en-US">
+                    <a:rPr lang="en-GB">
                       <a:noFill/>
                     </a:rPr>
                     <a:t> </a:t>
@@ -3955,7 +4193,9 @@
                 </a:ext>
               </a:extLst>
             </p:cNvPr>
-            <p:cNvSpPr/>
+            <p:cNvSpPr>
+              <a:spLocks/>
+            </p:cNvSpPr>
             <p:nvPr/>
           </p:nvSpPr>
           <p:spPr>
@@ -4008,7 +4248,9 @@
                 </a:ext>
               </a:extLst>
             </p:cNvPr>
-            <p:cNvSpPr/>
+            <p:cNvSpPr>
+              <a:spLocks/>
+            </p:cNvSpPr>
             <p:nvPr/>
           </p:nvSpPr>
           <p:spPr>
@@ -4061,7 +4303,9 @@
                 </a:ext>
               </a:extLst>
             </p:cNvPr>
-            <p:cNvSpPr txBox="1"/>
+            <p:cNvSpPr txBox="1">
+              <a:spLocks/>
+            </p:cNvSpPr>
             <p:nvPr/>
           </p:nvSpPr>
           <p:spPr>
@@ -4096,7 +4340,9 @@
                 </a:ext>
               </a:extLst>
             </p:cNvPr>
-            <p:cNvSpPr txBox="1"/>
+            <p:cNvSpPr txBox="1">
+              <a:spLocks/>
+            </p:cNvSpPr>
             <p:nvPr/>
           </p:nvSpPr>
           <p:spPr>
@@ -4531,6 +4777,1186 @@
           <a:chExt cx="0" cy="0"/>
         </a:xfrm>
       </p:grpSpPr>
+      <p:grpSp>
+        <p:nvGrpSpPr>
+          <p:cNvPr id="2" name="Gruppieren 1">
+            <a:extLst>
+              <a:ext uri="{FF2B5EF4-FFF2-40B4-BE49-F238E27FC236}">
+                <a16:creationId xmlns:a16="http://schemas.microsoft.com/office/drawing/2014/main" id="{9CCF46ED-A521-92FA-E57B-BEC75CA1F013}"/>
+              </a:ext>
+            </a:extLst>
+          </p:cNvPr>
+          <p:cNvGrpSpPr/>
+          <p:nvPr/>
+        </p:nvGrpSpPr>
+        <p:grpSpPr>
+          <a:xfrm>
+            <a:off x="3289189" y="590464"/>
+            <a:ext cx="5400000" cy="5400000"/>
+            <a:chOff x="3289189" y="590464"/>
+            <a:chExt cx="5400000" cy="5400000"/>
+          </a:xfrm>
+        </p:grpSpPr>
+        <p:grpSp>
+          <p:nvGrpSpPr>
+            <p:cNvPr id="108" name="Gruppieren 107">
+              <a:extLst>
+                <a:ext uri="{FF2B5EF4-FFF2-40B4-BE49-F238E27FC236}">
+                  <a16:creationId xmlns:a16="http://schemas.microsoft.com/office/drawing/2014/main" id="{3522A103-4097-B990-680B-24D1583D9BEF}"/>
+                </a:ext>
+              </a:extLst>
+            </p:cNvPr>
+            <p:cNvGrpSpPr>
+              <a:grpSpLocks/>
+            </p:cNvGrpSpPr>
+            <p:nvPr/>
+          </p:nvGrpSpPr>
+          <p:grpSpPr>
+            <a:xfrm>
+              <a:off x="3289189" y="590464"/>
+              <a:ext cx="5400000" cy="5400000"/>
+              <a:chOff x="1416000" y="-403835"/>
+              <a:chExt cx="9415611" cy="9360000"/>
+            </a:xfrm>
+          </p:grpSpPr>
+          <p:grpSp>
+            <p:nvGrpSpPr>
+              <p:cNvPr id="88" name="Gruppieren 87">
+                <a:extLst>
+                  <a:ext uri="{FF2B5EF4-FFF2-40B4-BE49-F238E27FC236}">
+                    <a16:creationId xmlns:a16="http://schemas.microsoft.com/office/drawing/2014/main" id="{95316E46-944E-E705-F096-0512C8FB4572}"/>
+                  </a:ext>
+                </a:extLst>
+              </p:cNvPr>
+              <p:cNvGrpSpPr>
+                <a:grpSpLocks/>
+              </p:cNvGrpSpPr>
+              <p:nvPr/>
+            </p:nvGrpSpPr>
+            <p:grpSpPr>
+              <a:xfrm>
+                <a:off x="1416000" y="-403835"/>
+                <a:ext cx="9415611" cy="9360000"/>
+                <a:chOff x="-2278211" y="-549107"/>
+                <a:chExt cx="9415611" cy="9360000"/>
+              </a:xfrm>
+            </p:grpSpPr>
+            <p:sp>
+              <p:nvSpPr>
+                <p:cNvPr id="63" name="Ellipse 62">
+                  <a:extLst>
+                    <a:ext uri="{FF2B5EF4-FFF2-40B4-BE49-F238E27FC236}">
+                      <a16:creationId xmlns:a16="http://schemas.microsoft.com/office/drawing/2014/main" id="{E98F40B3-9CE7-179C-0625-6B0660A623E0}"/>
+                    </a:ext>
+                  </a:extLst>
+                </p:cNvPr>
+                <p:cNvSpPr>
+                  <a:spLocks/>
+                </p:cNvSpPr>
+                <p:nvPr/>
+              </p:nvSpPr>
+              <p:spPr>
+                <a:xfrm>
+                  <a:off x="-2278211" y="-549107"/>
+                  <a:ext cx="9360000" cy="9360000"/>
+                </a:xfrm>
+                <a:prstGeom prst="ellipse">
+                  <a:avLst/>
+                </a:prstGeom>
+                <a:solidFill>
+                  <a:schemeClr val="accent3">
+                    <a:lumMod val="20000"/>
+                    <a:lumOff val="80000"/>
+                  </a:schemeClr>
+                </a:solidFill>
+              </p:spPr>
+              <p:style>
+                <a:lnRef idx="2">
+                  <a:schemeClr val="accent1">
+                    <a:shade val="15000"/>
+                  </a:schemeClr>
+                </a:lnRef>
+                <a:fillRef idx="1">
+                  <a:schemeClr val="accent1"/>
+                </a:fillRef>
+                <a:effectRef idx="0">
+                  <a:schemeClr val="accent1"/>
+                </a:effectRef>
+                <a:fontRef idx="minor">
+                  <a:schemeClr val="lt1"/>
+                </a:fontRef>
+              </p:style>
+              <p:txBody>
+                <a:bodyPr rtlCol="0" anchor="ctr"/>
+                <a:lstStyle/>
+                <a:p>
+                  <a:pPr algn="ctr"/>
+                  <a:endParaRPr lang="en-US"/>
+                </a:p>
+              </p:txBody>
+            </p:sp>
+            <p:sp>
+              <p:nvSpPr>
+                <p:cNvPr id="12" name="Ellipse 11">
+                  <a:extLst>
+                    <a:ext uri="{FF2B5EF4-FFF2-40B4-BE49-F238E27FC236}">
+                      <a16:creationId xmlns:a16="http://schemas.microsoft.com/office/drawing/2014/main" id="{F812A336-0D91-D6DA-E487-A410B7A87CA1}"/>
+                    </a:ext>
+                  </a:extLst>
+                </p:cNvPr>
+                <p:cNvSpPr>
+                  <a:spLocks/>
+                </p:cNvSpPr>
+                <p:nvPr/>
+              </p:nvSpPr>
+              <p:spPr>
+                <a:xfrm>
+                  <a:off x="314753" y="2061750"/>
+                  <a:ext cx="4320000" cy="4320000"/>
+                </a:xfrm>
+                <a:prstGeom prst="ellipse">
+                  <a:avLst/>
+                </a:prstGeom>
+                <a:solidFill>
+                  <a:schemeClr val="bg1"/>
+                </a:solidFill>
+              </p:spPr>
+              <p:style>
+                <a:lnRef idx="2">
+                  <a:schemeClr val="accent1">
+                    <a:shade val="15000"/>
+                  </a:schemeClr>
+                </a:lnRef>
+                <a:fillRef idx="1">
+                  <a:schemeClr val="accent1"/>
+                </a:fillRef>
+                <a:effectRef idx="0">
+                  <a:schemeClr val="accent1"/>
+                </a:effectRef>
+                <a:fontRef idx="minor">
+                  <a:schemeClr val="lt1"/>
+                </a:fontRef>
+              </p:style>
+              <p:txBody>
+                <a:bodyPr rtlCol="0" anchor="ctr"/>
+                <a:lstStyle/>
+                <a:p>
+                  <a:pPr algn="ctr"/>
+                  <a:endParaRPr lang="en-US" dirty="0"/>
+                </a:p>
+              </p:txBody>
+            </p:sp>
+            <p:sp>
+              <p:nvSpPr>
+                <p:cNvPr id="55" name="Ellipse 54">
+                  <a:extLst>
+                    <a:ext uri="{FF2B5EF4-FFF2-40B4-BE49-F238E27FC236}">
+                      <a16:creationId xmlns:a16="http://schemas.microsoft.com/office/drawing/2014/main" id="{F604F53B-173A-BBAB-B854-A49BE5FB9C93}"/>
+                    </a:ext>
+                  </a:extLst>
+                </p:cNvPr>
+                <p:cNvSpPr>
+                  <a:spLocks/>
+                </p:cNvSpPr>
+                <p:nvPr/>
+              </p:nvSpPr>
+              <p:spPr>
+                <a:xfrm>
+                  <a:off x="191619" y="1917750"/>
+                  <a:ext cx="4464000" cy="4464001"/>
+                </a:xfrm>
+                <a:prstGeom prst="ellipse">
+                  <a:avLst/>
+                </a:prstGeom>
+                <a:solidFill>
+                  <a:schemeClr val="bg1"/>
+                </a:solidFill>
+              </p:spPr>
+              <p:style>
+                <a:lnRef idx="2">
+                  <a:schemeClr val="accent1">
+                    <a:shade val="15000"/>
+                  </a:schemeClr>
+                </a:lnRef>
+                <a:fillRef idx="1">
+                  <a:schemeClr val="accent1"/>
+                </a:fillRef>
+                <a:effectRef idx="0">
+                  <a:schemeClr val="accent1"/>
+                </a:effectRef>
+                <a:fontRef idx="minor">
+                  <a:schemeClr val="lt1"/>
+                </a:fontRef>
+              </p:style>
+              <p:txBody>
+                <a:bodyPr rtlCol="0" anchor="ctr"/>
+                <a:lstStyle/>
+                <a:p>
+                  <a:pPr algn="ctr"/>
+                  <a:endParaRPr lang="en-US"/>
+                </a:p>
+              </p:txBody>
+            </p:sp>
+            <p:pic>
+              <p:nvPicPr>
+                <p:cNvPr id="77" name="Grafik 76">
+                  <a:extLst>
+                    <a:ext uri="{FF2B5EF4-FFF2-40B4-BE49-F238E27FC236}">
+                      <a16:creationId xmlns:a16="http://schemas.microsoft.com/office/drawing/2014/main" id="{A6C7A90A-BE5E-2B3A-E34A-46CD63AC1DA6}"/>
+                    </a:ext>
+                  </a:extLst>
+                </p:cNvPr>
+                <p:cNvPicPr>
+                  <a:picLocks noChangeAspect="1"/>
+                </p:cNvPicPr>
+                <p:nvPr/>
+              </p:nvPicPr>
+              <p:blipFill rotWithShape="1">
+                <a:blip r:embed="rId2"/>
+                <a:srcRect l="2097" t="2289" r="2494" b="2302"/>
+                <a:stretch/>
+              </p:blipFill>
+              <p:spPr>
+                <a:xfrm>
+                  <a:off x="258663" y="1987144"/>
+                  <a:ext cx="4319999" cy="4320001"/>
+                </a:xfrm>
+                <a:prstGeom prst="ellipse">
+                  <a:avLst/>
+                </a:prstGeom>
+              </p:spPr>
+            </p:pic>
+            <p:cxnSp>
+              <p:nvCxnSpPr>
+                <p:cNvPr id="8" name="Gerader Verbinder 7">
+                  <a:extLst>
+                    <a:ext uri="{FF2B5EF4-FFF2-40B4-BE49-F238E27FC236}">
+                      <a16:creationId xmlns:a16="http://schemas.microsoft.com/office/drawing/2014/main" id="{8D47468F-9B08-D632-678F-169F53FD2FE5}"/>
+                    </a:ext>
+                  </a:extLst>
+                </p:cNvPr>
+                <p:cNvCxnSpPr>
+                  <a:cxnSpLocks/>
+                </p:cNvCxnSpPr>
+                <p:nvPr/>
+              </p:nvCxnSpPr>
+              <p:spPr>
+                <a:xfrm>
+                  <a:off x="314752" y="-296240"/>
+                  <a:ext cx="6822648" cy="5472390"/>
+                </a:xfrm>
+                <a:prstGeom prst="line">
+                  <a:avLst/>
+                </a:prstGeom>
+                <a:ln w="19050">
+                  <a:solidFill>
+                    <a:srgbClr val="0069AA"/>
+                  </a:solidFill>
+                </a:ln>
+              </p:spPr>
+              <p:style>
+                <a:lnRef idx="1">
+                  <a:schemeClr val="accent1"/>
+                </a:lnRef>
+                <a:fillRef idx="0">
+                  <a:schemeClr val="accent1"/>
+                </a:fillRef>
+                <a:effectRef idx="0">
+                  <a:schemeClr val="accent1"/>
+                </a:effectRef>
+                <a:fontRef idx="minor">
+                  <a:schemeClr val="tx1"/>
+                </a:fontRef>
+              </p:style>
+            </p:cxnSp>
+            <p:cxnSp>
+              <p:nvCxnSpPr>
+                <p:cNvPr id="26" name="Gerader Verbinder 25">
+                  <a:extLst>
+                    <a:ext uri="{FF2B5EF4-FFF2-40B4-BE49-F238E27FC236}">
+                      <a16:creationId xmlns:a16="http://schemas.microsoft.com/office/drawing/2014/main" id="{259561A4-07CB-0060-0BF5-29DCF2C62C96}"/>
+                    </a:ext>
+                  </a:extLst>
+                </p:cNvPr>
+                <p:cNvCxnSpPr>
+                  <a:cxnSpLocks/>
+                </p:cNvCxnSpPr>
+                <p:nvPr/>
+              </p:nvCxnSpPr>
+              <p:spPr>
+                <a:xfrm flipV="1">
+                  <a:off x="2422118" y="1272645"/>
+                  <a:ext cx="4168586" cy="2898969"/>
+                </a:xfrm>
+                <a:prstGeom prst="line">
+                  <a:avLst/>
+                </a:prstGeom>
+                <a:ln w="19050">
+                  <a:solidFill>
+                    <a:srgbClr val="8D2D39"/>
+                  </a:solidFill>
+                </a:ln>
+              </p:spPr>
+              <p:style>
+                <a:lnRef idx="1">
+                  <a:schemeClr val="accent2"/>
+                </a:lnRef>
+                <a:fillRef idx="0">
+                  <a:schemeClr val="accent2"/>
+                </a:fillRef>
+                <a:effectRef idx="0">
+                  <a:schemeClr val="accent2"/>
+                </a:effectRef>
+                <a:fontRef idx="minor">
+                  <a:schemeClr val="tx1"/>
+                </a:fontRef>
+              </p:style>
+            </p:cxnSp>
+            <p:cxnSp>
+              <p:nvCxnSpPr>
+                <p:cNvPr id="24" name="Gerader Verbinder 23">
+                  <a:extLst>
+                    <a:ext uri="{FF2B5EF4-FFF2-40B4-BE49-F238E27FC236}">
+                      <a16:creationId xmlns:a16="http://schemas.microsoft.com/office/drawing/2014/main" id="{9EC979D4-BA88-8BF3-678B-43234DE3C8F5}"/>
+                    </a:ext>
+                  </a:extLst>
+                </p:cNvPr>
+                <p:cNvCxnSpPr>
+                  <a:cxnSpLocks/>
+                </p:cNvCxnSpPr>
+                <p:nvPr/>
+              </p:nvCxnSpPr>
+              <p:spPr>
+                <a:xfrm flipV="1">
+                  <a:off x="2434365" y="-549107"/>
+                  <a:ext cx="1929447" cy="4698857"/>
+                </a:xfrm>
+                <a:prstGeom prst="line">
+                  <a:avLst/>
+                </a:prstGeom>
+                <a:ln w="19050">
+                  <a:solidFill>
+                    <a:srgbClr val="8D2D39"/>
+                  </a:solidFill>
+                </a:ln>
+              </p:spPr>
+              <p:style>
+                <a:lnRef idx="1">
+                  <a:schemeClr val="accent1"/>
+                </a:lnRef>
+                <a:fillRef idx="0">
+                  <a:schemeClr val="accent1"/>
+                </a:fillRef>
+                <a:effectRef idx="0">
+                  <a:schemeClr val="accent1"/>
+                </a:effectRef>
+                <a:fontRef idx="minor">
+                  <a:schemeClr val="tx1"/>
+                </a:fontRef>
+              </p:style>
+            </p:cxnSp>
+            <p:cxnSp>
+              <p:nvCxnSpPr>
+                <p:cNvPr id="18" name="Gerader Verbinder 17">
+                  <a:extLst>
+                    <a:ext uri="{FF2B5EF4-FFF2-40B4-BE49-F238E27FC236}">
+                      <a16:creationId xmlns:a16="http://schemas.microsoft.com/office/drawing/2014/main" id="{57123646-3BF5-FB1F-D831-85FF3B0F8DA0}"/>
+                    </a:ext>
+                  </a:extLst>
+                </p:cNvPr>
+                <p:cNvCxnSpPr>
+                  <a:cxnSpLocks/>
+                </p:cNvCxnSpPr>
+                <p:nvPr/>
+              </p:nvCxnSpPr>
+              <p:spPr>
+                <a:xfrm flipV="1">
+                  <a:off x="2452317" y="42705"/>
+                  <a:ext cx="3160220" cy="4088188"/>
+                </a:xfrm>
+                <a:prstGeom prst="line">
+                  <a:avLst/>
+                </a:prstGeom>
+                <a:ln w="19050">
+                  <a:solidFill>
+                    <a:srgbClr val="0069AA"/>
+                  </a:solidFill>
+                </a:ln>
+              </p:spPr>
+              <p:style>
+                <a:lnRef idx="1">
+                  <a:schemeClr val="accent1"/>
+                </a:lnRef>
+                <a:fillRef idx="0">
+                  <a:schemeClr val="accent1"/>
+                </a:fillRef>
+                <a:effectRef idx="0">
+                  <a:schemeClr val="accent1"/>
+                </a:effectRef>
+                <a:fontRef idx="minor">
+                  <a:schemeClr val="tx1"/>
+                </a:fontRef>
+              </p:style>
+            </p:cxnSp>
+          </p:grpSp>
+          <p:sp>
+            <p:nvSpPr>
+              <p:cNvPr id="95" name="Bogen 94">
+                <a:extLst>
+                  <a:ext uri="{FF2B5EF4-FFF2-40B4-BE49-F238E27FC236}">
+                    <a16:creationId xmlns:a16="http://schemas.microsoft.com/office/drawing/2014/main" id="{4BAB289C-338E-D187-0D23-56EB87272BC9}"/>
+                  </a:ext>
+                </a:extLst>
+              </p:cNvPr>
+              <p:cNvSpPr>
+                <a:spLocks/>
+              </p:cNvSpPr>
+              <p:nvPr/>
+            </p:nvSpPr>
+            <p:spPr>
+              <a:xfrm rot="422223">
+                <a:off x="6786825" y="3286264"/>
+                <a:ext cx="413033" cy="404323"/>
+              </a:xfrm>
+              <a:prstGeom prst="arc">
+                <a:avLst>
+                  <a:gd name="adj1" fmla="val 14235875"/>
+                  <a:gd name="adj2" fmla="val 1079874"/>
+                </a:avLst>
+              </a:prstGeom>
+              <a:ln w="12700">
+                <a:solidFill>
+                  <a:schemeClr val="tx1"/>
+                </a:solidFill>
+              </a:ln>
+            </p:spPr>
+            <p:style>
+              <a:lnRef idx="1">
+                <a:schemeClr val="accent1"/>
+              </a:lnRef>
+              <a:fillRef idx="0">
+                <a:schemeClr val="accent1"/>
+              </a:fillRef>
+              <a:effectRef idx="0">
+                <a:schemeClr val="accent1"/>
+              </a:effectRef>
+              <a:fontRef idx="minor">
+                <a:schemeClr val="tx1"/>
+              </a:fontRef>
+            </p:style>
+            <p:txBody>
+              <a:bodyPr rtlCol="0" anchor="ctr"/>
+              <a:lstStyle/>
+              <a:p>
+                <a:pPr algn="ctr"/>
+                <a:endParaRPr lang="en-US">
+                  <a:solidFill>
+                    <a:srgbClr val="FF0000"/>
+                  </a:solidFill>
+                </a:endParaRPr>
+              </a:p>
+            </p:txBody>
+          </p:sp>
+          <mc:AlternateContent xmlns:mc="http://schemas.openxmlformats.org/markup-compatibility/2006">
+            <mc:Choice xmlns:a14="http://schemas.microsoft.com/office/drawing/2010/main" Requires="a14">
+              <p:sp>
+                <p:nvSpPr>
+                  <p:cNvPr id="96" name="Textfeld 95">
+                    <a:extLst>
+                      <a:ext uri="{FF2B5EF4-FFF2-40B4-BE49-F238E27FC236}">
+                        <a16:creationId xmlns:a16="http://schemas.microsoft.com/office/drawing/2014/main" id="{6B59233C-3899-6AF5-17E5-3E0CFD0FCB64}"/>
+                      </a:ext>
+                    </a:extLst>
+                  </p:cNvPr>
+                  <p:cNvSpPr txBox="1">
+                    <a:spLocks/>
+                  </p:cNvSpPr>
+                  <p:nvPr/>
+                </p:nvSpPr>
+                <p:spPr>
+                  <a:xfrm>
+                    <a:off x="6812184" y="3248357"/>
+                    <a:ext cx="181156" cy="480132"/>
+                  </a:xfrm>
+                  <a:prstGeom prst="rect">
+                    <a:avLst/>
+                  </a:prstGeom>
+                  <a:noFill/>
+                </p:spPr>
+                <p:txBody>
+                  <a:bodyPr wrap="square" rtlCol="0">
+                    <a:spAutoFit/>
+                  </a:bodyPr>
+                  <a:lstStyle/>
+                  <a:p>
+                    <a:pPr/>
+                    <a14:m>
+                      <m:oMathPara xmlns:m="http://schemas.openxmlformats.org/officeDocument/2006/math">
+                        <m:oMathParaPr>
+                          <m:jc m:val="centerGroup"/>
+                        </m:oMathParaPr>
+                        <m:oMath xmlns:m="http://schemas.openxmlformats.org/officeDocument/2006/math">
+                          <m:r>
+                            <a:rPr lang="en-US" sz="1200" b="1" i="1" dirty="0" smtClean="0">
+                              <a:solidFill>
+                                <a:schemeClr val="tx1"/>
+                              </a:solidFill>
+                              <a:latin typeface="Cambria Math" panose="02040503050406030204" pitchFamily="18" charset="0"/>
+                              <a:sym typeface="Symbol" panose="05050102010706020507" pitchFamily="18" charset="2"/>
+                            </a:rPr>
+                            <m:t></m:t>
+                          </m:r>
+                        </m:oMath>
+                      </m:oMathPara>
+                    </a14:m>
+                    <a:endParaRPr lang="en-US" sz="900" b="1" dirty="0">
+                      <a:solidFill>
+                        <a:schemeClr val="tx1"/>
+                      </a:solidFill>
+                    </a:endParaRPr>
+                  </a:p>
+                </p:txBody>
+              </p:sp>
+            </mc:Choice>
+            <mc:Fallback>
+              <p:sp>
+                <p:nvSpPr>
+                  <p:cNvPr id="96" name="Textfeld 95">
+                    <a:extLst>
+                      <a:ext uri="{FF2B5EF4-FFF2-40B4-BE49-F238E27FC236}">
+                        <a16:creationId xmlns:a16="http://schemas.microsoft.com/office/drawing/2014/main" id="{6B59233C-3899-6AF5-17E5-3E0CFD0FCB64}"/>
+                      </a:ext>
+                    </a:extLst>
+                  </p:cNvPr>
+                  <p:cNvSpPr txBox="1">
+                    <a:spLocks noRot="1" noChangeAspect="1" noMove="1" noResize="1" noEditPoints="1" noAdjustHandles="1" noChangeArrowheads="1" noChangeShapeType="1" noTextEdit="1"/>
+                  </p:cNvSpPr>
+                  <p:nvPr/>
+                </p:nvSpPr>
+                <p:spPr>
+                  <a:xfrm>
+                    <a:off x="6812184" y="3248357"/>
+                    <a:ext cx="181156" cy="480132"/>
+                  </a:xfrm>
+                  <a:prstGeom prst="rect">
+                    <a:avLst/>
+                  </a:prstGeom>
+                  <a:blipFill>
+                    <a:blip r:embed="rId3"/>
+                    <a:stretch>
+                      <a:fillRect r="-64706"/>
+                    </a:stretch>
+                  </a:blipFill>
+                </p:spPr>
+                <p:txBody>
+                  <a:bodyPr/>
+                  <a:lstStyle/>
+                  <a:p>
+                    <a:r>
+                      <a:rPr lang="en-GB">
+                        <a:noFill/>
+                      </a:rPr>
+                      <a:t> </a:t>
+                    </a:r>
+                  </a:p>
+                </p:txBody>
+              </p:sp>
+            </mc:Fallback>
+          </mc:AlternateContent>
+          <p:sp>
+            <p:nvSpPr>
+              <p:cNvPr id="102" name="Bogen 101">
+                <a:extLst>
+                  <a:ext uri="{FF2B5EF4-FFF2-40B4-BE49-F238E27FC236}">
+                    <a16:creationId xmlns:a16="http://schemas.microsoft.com/office/drawing/2014/main" id="{5D2F1159-4804-4027-EB65-A7D8565F5663}"/>
+                  </a:ext>
+                </a:extLst>
+              </p:cNvPr>
+              <p:cNvSpPr>
+                <a:spLocks/>
+              </p:cNvSpPr>
+              <p:nvPr/>
+            </p:nvSpPr>
+            <p:spPr>
+              <a:xfrm rot="2112522">
+                <a:off x="7252690" y="2455386"/>
+                <a:ext cx="360000" cy="360000"/>
+              </a:xfrm>
+              <a:prstGeom prst="arc">
+                <a:avLst/>
+              </a:prstGeom>
+              <a:ln w="12700">
+                <a:solidFill>
+                  <a:srgbClr val="0069AA"/>
+                </a:solidFill>
+              </a:ln>
+            </p:spPr>
+            <p:style>
+              <a:lnRef idx="1">
+                <a:schemeClr val="accent1"/>
+              </a:lnRef>
+              <a:fillRef idx="0">
+                <a:schemeClr val="accent1"/>
+              </a:fillRef>
+              <a:effectRef idx="0">
+                <a:schemeClr val="accent1"/>
+              </a:effectRef>
+              <a:fontRef idx="minor">
+                <a:schemeClr val="tx1"/>
+              </a:fontRef>
+            </p:style>
+            <p:txBody>
+              <a:bodyPr rtlCol="0" anchor="ctr"/>
+              <a:lstStyle/>
+              <a:p>
+                <a:pPr algn="ctr"/>
+                <a:endParaRPr lang="en-US">
+                  <a:solidFill>
+                    <a:srgbClr val="FF0000"/>
+                  </a:solidFill>
+                </a:endParaRPr>
+              </a:p>
+            </p:txBody>
+          </p:sp>
+          <p:sp>
+            <p:nvSpPr>
+              <p:cNvPr id="103" name="Bogen 102">
+                <a:extLst>
+                  <a:ext uri="{FF2B5EF4-FFF2-40B4-BE49-F238E27FC236}">
+                    <a16:creationId xmlns:a16="http://schemas.microsoft.com/office/drawing/2014/main" id="{878D24DD-9A23-A7C5-5AC9-3DA2D8F48C3D}"/>
+                  </a:ext>
+                </a:extLst>
+              </p:cNvPr>
+              <p:cNvSpPr>
+                <a:spLocks/>
+              </p:cNvSpPr>
+              <p:nvPr/>
+            </p:nvSpPr>
+            <p:spPr>
+              <a:xfrm rot="7845321">
+                <a:off x="7267634" y="2436533"/>
+                <a:ext cx="359999" cy="360001"/>
+              </a:xfrm>
+              <a:prstGeom prst="arc">
+                <a:avLst/>
+              </a:prstGeom>
+              <a:ln w="12700">
+                <a:solidFill>
+                  <a:schemeClr val="tx1"/>
+                </a:solidFill>
+              </a:ln>
+            </p:spPr>
+            <p:style>
+              <a:lnRef idx="1">
+                <a:schemeClr val="accent1"/>
+              </a:lnRef>
+              <a:fillRef idx="0">
+                <a:schemeClr val="accent1"/>
+              </a:fillRef>
+              <a:effectRef idx="0">
+                <a:schemeClr val="accent1"/>
+              </a:effectRef>
+              <a:fontRef idx="minor">
+                <a:schemeClr val="tx1"/>
+              </a:fontRef>
+            </p:style>
+            <p:txBody>
+              <a:bodyPr rtlCol="0" anchor="ctr"/>
+              <a:lstStyle/>
+              <a:p>
+                <a:pPr algn="ctr"/>
+                <a:endParaRPr lang="en-US">
+                  <a:solidFill>
+                    <a:schemeClr val="accent4"/>
+                  </a:solidFill>
+                </a:endParaRPr>
+              </a:p>
+            </p:txBody>
+          </p:sp>
+          <p:sp>
+            <p:nvSpPr>
+              <p:cNvPr id="104" name="Textfeld 103">
+                <a:extLst>
+                  <a:ext uri="{FF2B5EF4-FFF2-40B4-BE49-F238E27FC236}">
+                    <a16:creationId xmlns:a16="http://schemas.microsoft.com/office/drawing/2014/main" id="{A3E1D09B-6D25-1C7B-63F2-F10FE595C5A7}"/>
+                  </a:ext>
+                </a:extLst>
+              </p:cNvPr>
+              <p:cNvSpPr txBox="1">
+                <a:spLocks/>
+              </p:cNvSpPr>
+              <p:nvPr/>
+            </p:nvSpPr>
+            <p:spPr>
+              <a:xfrm>
+                <a:off x="7332078" y="2297608"/>
+                <a:ext cx="130778" cy="640175"/>
+              </a:xfrm>
+              <a:prstGeom prst="rect">
+                <a:avLst/>
+              </a:prstGeom>
+              <a:noFill/>
+            </p:spPr>
+            <p:txBody>
+              <a:bodyPr wrap="square" rtlCol="0">
+                <a:spAutoFit/>
+              </a:bodyPr>
+              <a:lstStyle/>
+              <a:p>
+                <a:r>
+                  <a:rPr lang="en-US" dirty="0"/>
+                  <a:t>.</a:t>
+                </a:r>
+              </a:p>
+            </p:txBody>
+          </p:sp>
+          <p:sp>
+            <p:nvSpPr>
+              <p:cNvPr id="106" name="Textfeld 105">
+                <a:extLst>
+                  <a:ext uri="{FF2B5EF4-FFF2-40B4-BE49-F238E27FC236}">
+                    <a16:creationId xmlns:a16="http://schemas.microsoft.com/office/drawing/2014/main" id="{ACD1F40E-19CF-7D95-E324-85199DCB6330}"/>
+                  </a:ext>
+                </a:extLst>
+              </p:cNvPr>
+              <p:cNvSpPr txBox="1">
+                <a:spLocks/>
+              </p:cNvSpPr>
+              <p:nvPr/>
+            </p:nvSpPr>
+            <p:spPr>
+              <a:xfrm>
+                <a:off x="7337486" y="2172550"/>
+                <a:ext cx="332015" cy="640175"/>
+              </a:xfrm>
+              <a:prstGeom prst="rect">
+                <a:avLst/>
+              </a:prstGeom>
+              <a:noFill/>
+            </p:spPr>
+            <p:txBody>
+              <a:bodyPr wrap="square">
+                <a:spAutoFit/>
+              </a:bodyPr>
+              <a:lstStyle/>
+              <a:p>
+                <a:r>
+                  <a:rPr lang="en-US" dirty="0">
+                    <a:solidFill>
+                      <a:srgbClr val="0069AA"/>
+                    </a:solidFill>
+                  </a:rPr>
+                  <a:t>.</a:t>
+                </a:r>
+              </a:p>
+            </p:txBody>
+          </p:sp>
+        </p:grpSp>
+        <p:grpSp>
+          <p:nvGrpSpPr>
+            <p:cNvPr id="4" name="Gruppieren 3">
+              <a:extLst>
+                <a:ext uri="{FF2B5EF4-FFF2-40B4-BE49-F238E27FC236}">
+                  <a16:creationId xmlns:a16="http://schemas.microsoft.com/office/drawing/2014/main" id="{F699F651-2036-1292-42F8-9CD37D38C211}"/>
+                </a:ext>
+              </a:extLst>
+            </p:cNvPr>
+            <p:cNvGrpSpPr/>
+            <p:nvPr/>
+          </p:nvGrpSpPr>
+          <p:grpSpPr>
+            <a:xfrm>
+              <a:off x="6010449" y="2327903"/>
+              <a:ext cx="1030205" cy="963799"/>
+              <a:chOff x="6010449" y="2327903"/>
+              <a:chExt cx="1030205" cy="963799"/>
+            </a:xfrm>
+          </p:grpSpPr>
+          <p:cxnSp>
+            <p:nvCxnSpPr>
+              <p:cNvPr id="3" name="Gerader Verbinder 2">
+                <a:extLst>
+                  <a:ext uri="{FF2B5EF4-FFF2-40B4-BE49-F238E27FC236}">
+                    <a16:creationId xmlns:a16="http://schemas.microsoft.com/office/drawing/2014/main" id="{257E818C-94A9-F63F-5F7B-F8E7DF68DD43}"/>
+                  </a:ext>
+                </a:extLst>
+              </p:cNvPr>
+              <p:cNvCxnSpPr>
+                <a:cxnSpLocks/>
+              </p:cNvCxnSpPr>
+              <p:nvPr/>
+            </p:nvCxnSpPr>
+            <p:spPr>
+              <a:xfrm flipV="1">
+                <a:off x="6010449" y="2334448"/>
+                <a:ext cx="734703" cy="953020"/>
+              </a:xfrm>
+              <a:prstGeom prst="line">
+                <a:avLst/>
+              </a:prstGeom>
+              <a:ln w="12700">
+                <a:solidFill>
+                  <a:schemeClr val="tx1"/>
+                </a:solidFill>
+              </a:ln>
+            </p:spPr>
+            <p:style>
+              <a:lnRef idx="1">
+                <a:schemeClr val="accent1"/>
+              </a:lnRef>
+              <a:fillRef idx="0">
+                <a:schemeClr val="accent1"/>
+              </a:fillRef>
+              <a:effectRef idx="0">
+                <a:schemeClr val="accent1"/>
+              </a:effectRef>
+              <a:fontRef idx="minor">
+                <a:schemeClr val="tx1"/>
+              </a:fontRef>
+            </p:style>
+          </p:cxnSp>
+          <mc:AlternateContent xmlns:mc="http://schemas.openxmlformats.org/markup-compatibility/2006">
+            <mc:Choice xmlns:a14="http://schemas.microsoft.com/office/drawing/2010/main" Requires="a14">
+              <p:sp>
+                <p:nvSpPr>
+                  <p:cNvPr id="13" name="Textfeld 12">
+                    <a:extLst>
+                      <a:ext uri="{FF2B5EF4-FFF2-40B4-BE49-F238E27FC236}">
+                        <a16:creationId xmlns:a16="http://schemas.microsoft.com/office/drawing/2014/main" id="{BD2E4593-BFDF-F945-F20C-36C7C1857B1B}"/>
+                      </a:ext>
+                    </a:extLst>
+                  </p:cNvPr>
+                  <p:cNvSpPr txBox="1"/>
+                  <p:nvPr/>
+                </p:nvSpPr>
+                <p:spPr>
+                  <a:xfrm>
+                    <a:off x="6375324" y="2406476"/>
+                    <a:ext cx="128816" cy="261610"/>
+                  </a:xfrm>
+                  <a:prstGeom prst="rect">
+                    <a:avLst/>
+                  </a:prstGeom>
+                  <a:noFill/>
+                </p:spPr>
+                <p:txBody>
+                  <a:bodyPr wrap="square" rtlCol="0">
+                    <a:spAutoFit/>
+                  </a:bodyPr>
+                  <a:lstStyle/>
+                  <a:p>
+                    <a:pPr/>
+                    <a14:m>
+                      <m:oMathPara xmlns:m="http://schemas.openxmlformats.org/officeDocument/2006/math">
+                        <m:oMathParaPr>
+                          <m:jc m:val="centerGroup"/>
+                        </m:oMathParaPr>
+                        <m:oMath xmlns:m="http://schemas.openxmlformats.org/officeDocument/2006/math">
+                          <m:r>
+                            <a:rPr lang="en-US" sz="1100" i="1" dirty="0" smtClean="0">
+                              <a:solidFill>
+                                <a:schemeClr val="tx1"/>
+                              </a:solidFill>
+                              <a:latin typeface="Cambria Math" panose="02040503050406030204" pitchFamily="18" charset="0"/>
+                            </a:rPr>
+                            <m:t>𝑟</m:t>
+                          </m:r>
+                        </m:oMath>
+                      </m:oMathPara>
+                    </a14:m>
+                    <a:endParaRPr lang="en-US" sz="1100" dirty="0">
+                      <a:solidFill>
+                        <a:schemeClr val="tx1"/>
+                      </a:solidFill>
+                    </a:endParaRPr>
+                  </a:p>
+                </p:txBody>
+              </p:sp>
+            </mc:Choice>
+            <mc:Fallback>
+              <p:sp>
+                <p:nvSpPr>
+                  <p:cNvPr id="13" name="Textfeld 12">
+                    <a:extLst>
+                      <a:ext uri="{FF2B5EF4-FFF2-40B4-BE49-F238E27FC236}">
+                        <a16:creationId xmlns:a16="http://schemas.microsoft.com/office/drawing/2014/main" id="{BD2E4593-BFDF-F945-F20C-36C7C1857B1B}"/>
+                      </a:ext>
+                    </a:extLst>
+                  </p:cNvPr>
+                  <p:cNvSpPr txBox="1">
+                    <a:spLocks noRot="1" noChangeAspect="1" noMove="1" noResize="1" noEditPoints="1" noAdjustHandles="1" noChangeArrowheads="1" noChangeShapeType="1" noTextEdit="1"/>
+                  </p:cNvSpPr>
+                  <p:nvPr/>
+                </p:nvSpPr>
+                <p:spPr>
+                  <a:xfrm>
+                    <a:off x="6375324" y="2406476"/>
+                    <a:ext cx="128816" cy="261610"/>
+                  </a:xfrm>
+                  <a:prstGeom prst="rect">
+                    <a:avLst/>
+                  </a:prstGeom>
+                  <a:blipFill>
+                    <a:blip r:embed="rId4"/>
+                    <a:stretch>
+                      <a:fillRect r="-28571"/>
+                    </a:stretch>
+                  </a:blipFill>
+                </p:spPr>
+                <p:txBody>
+                  <a:bodyPr/>
+                  <a:lstStyle/>
+                  <a:p>
+                    <a:r>
+                      <a:rPr lang="en-GB">
+                        <a:noFill/>
+                      </a:rPr>
+                      <a:t> </a:t>
+                    </a:r>
+                  </a:p>
+                </p:txBody>
+              </p:sp>
+            </mc:Fallback>
+          </mc:AlternateContent>
+          <p:cxnSp>
+            <p:nvCxnSpPr>
+              <p:cNvPr id="19" name="Gerader Verbinder 18">
+                <a:extLst>
+                  <a:ext uri="{FF2B5EF4-FFF2-40B4-BE49-F238E27FC236}">
+                    <a16:creationId xmlns:a16="http://schemas.microsoft.com/office/drawing/2014/main" id="{968459A8-12ED-E91A-0D8E-CC52B55B30D6}"/>
+                  </a:ext>
+                </a:extLst>
+              </p:cNvPr>
+              <p:cNvCxnSpPr>
+                <a:cxnSpLocks/>
+              </p:cNvCxnSpPr>
+              <p:nvPr/>
+            </p:nvCxnSpPr>
+            <p:spPr>
+              <a:xfrm flipV="1">
+                <a:off x="6010449" y="2568079"/>
+                <a:ext cx="1030205" cy="723623"/>
+              </a:xfrm>
+              <a:prstGeom prst="line">
+                <a:avLst/>
+              </a:prstGeom>
+              <a:ln w="12700">
+                <a:solidFill>
+                  <a:schemeClr val="tx1"/>
+                </a:solidFill>
+              </a:ln>
+            </p:spPr>
+            <p:style>
+              <a:lnRef idx="1">
+                <a:schemeClr val="accent1"/>
+              </a:lnRef>
+              <a:fillRef idx="0">
+                <a:schemeClr val="accent1"/>
+              </a:fillRef>
+              <a:effectRef idx="0">
+                <a:schemeClr val="accent1"/>
+              </a:effectRef>
+              <a:fontRef idx="minor">
+                <a:schemeClr val="tx1"/>
+              </a:fontRef>
+            </p:style>
+          </p:cxnSp>
+          <p:cxnSp>
+            <p:nvCxnSpPr>
+              <p:cNvPr id="25" name="Gerader Verbinder 24">
+                <a:extLst>
+                  <a:ext uri="{FF2B5EF4-FFF2-40B4-BE49-F238E27FC236}">
+                    <a16:creationId xmlns:a16="http://schemas.microsoft.com/office/drawing/2014/main" id="{5E04FC80-B8EB-4E31-AA53-994E1C9A5396}"/>
+                  </a:ext>
+                </a:extLst>
+              </p:cNvPr>
+              <p:cNvCxnSpPr>
+                <a:cxnSpLocks/>
+              </p:cNvCxnSpPr>
+              <p:nvPr/>
+            </p:nvCxnSpPr>
+            <p:spPr>
+              <a:xfrm>
+                <a:off x="6742986" y="2327903"/>
+                <a:ext cx="294673" cy="239497"/>
+              </a:xfrm>
+              <a:prstGeom prst="line">
+                <a:avLst/>
+              </a:prstGeom>
+              <a:ln w="12700">
+                <a:solidFill>
+                  <a:schemeClr val="tx1"/>
+                </a:solidFill>
+              </a:ln>
+            </p:spPr>
+            <p:style>
+              <a:lnRef idx="1">
+                <a:schemeClr val="accent1"/>
+              </a:lnRef>
+              <a:fillRef idx="0">
+                <a:schemeClr val="accent1"/>
+              </a:fillRef>
+              <a:effectRef idx="0">
+                <a:schemeClr val="accent1"/>
+              </a:effectRef>
+              <a:fontRef idx="minor">
+                <a:schemeClr val="tx1"/>
+              </a:fontRef>
+            </p:style>
+          </p:cxnSp>
+          <mc:AlternateContent xmlns:mc="http://schemas.openxmlformats.org/markup-compatibility/2006">
+            <mc:Choice xmlns:a14="http://schemas.microsoft.com/office/drawing/2010/main" Requires="a14">
+              <p:sp>
+                <p:nvSpPr>
+                  <p:cNvPr id="35" name="Textfeld 34">
+                    <a:extLst>
+                      <a:ext uri="{FF2B5EF4-FFF2-40B4-BE49-F238E27FC236}">
+                        <a16:creationId xmlns:a16="http://schemas.microsoft.com/office/drawing/2014/main" id="{6B406F29-934E-6C63-D943-6045837739A8}"/>
+                      </a:ext>
+                    </a:extLst>
+                  </p:cNvPr>
+                  <p:cNvSpPr txBox="1"/>
+                  <p:nvPr/>
+                </p:nvSpPr>
+                <p:spPr>
+                  <a:xfrm>
+                    <a:off x="6283720" y="2955753"/>
+                    <a:ext cx="532051" cy="246221"/>
+                  </a:xfrm>
+                  <a:prstGeom prst="rect">
+                    <a:avLst/>
+                  </a:prstGeom>
+                  <a:noFill/>
+                </p:spPr>
+                <p:txBody>
+                  <a:bodyPr wrap="square" rtlCol="0">
+                    <a:spAutoFit/>
+                  </a:bodyPr>
+                  <a:lstStyle/>
+                  <a:p>
+                    <a:pPr/>
+                    <a14:m>
+                      <m:oMathPara xmlns:m="http://schemas.openxmlformats.org/officeDocument/2006/math">
+                        <m:oMathParaPr>
+                          <m:jc m:val="centerGroup"/>
+                        </m:oMathParaPr>
+                        <m:oMath xmlns:m="http://schemas.openxmlformats.org/officeDocument/2006/math">
+                          <m:r>
+                            <a:rPr lang="en-US" sz="1000" i="1" dirty="0" smtClean="0">
+                              <a:solidFill>
+                                <a:schemeClr val="tx1"/>
+                              </a:solidFill>
+                              <a:latin typeface="Cambria Math" panose="02040503050406030204" pitchFamily="18" charset="0"/>
+                            </a:rPr>
+                            <m:t>𝑟</m:t>
+                          </m:r>
+                          <m:r>
+                            <a:rPr lang="en-US" sz="1000" i="1" dirty="0" smtClean="0">
+                              <a:solidFill>
+                                <a:schemeClr val="tx1"/>
+                              </a:solidFill>
+                              <a:latin typeface="Cambria Math" panose="02040503050406030204" pitchFamily="18" charset="0"/>
+                            </a:rPr>
+                            <m:t>+</m:t>
+                          </m:r>
+                          <m:r>
+                            <a:rPr lang="en-US" sz="1000" i="1" dirty="0" smtClean="0">
+                              <a:solidFill>
+                                <a:schemeClr val="tx1"/>
+                              </a:solidFill>
+                              <a:latin typeface="Cambria Math" panose="02040503050406030204" pitchFamily="18" charset="0"/>
+                            </a:rPr>
+                            <m:t>𝑠</m:t>
+                          </m:r>
+                        </m:oMath>
+                      </m:oMathPara>
+                    </a14:m>
+                    <a:endParaRPr lang="en-US" sz="1000" dirty="0">
+                      <a:solidFill>
+                        <a:schemeClr val="tx1"/>
+                      </a:solidFill>
+                    </a:endParaRPr>
+                  </a:p>
+                </p:txBody>
+              </p:sp>
+            </mc:Choice>
+            <mc:Fallback>
+              <p:sp>
+                <p:nvSpPr>
+                  <p:cNvPr id="35" name="Textfeld 34">
+                    <a:extLst>
+                      <a:ext uri="{FF2B5EF4-FFF2-40B4-BE49-F238E27FC236}">
+                        <a16:creationId xmlns:a16="http://schemas.microsoft.com/office/drawing/2014/main" id="{6B406F29-934E-6C63-D943-6045837739A8}"/>
+                      </a:ext>
+                    </a:extLst>
+                  </p:cNvPr>
+                  <p:cNvSpPr txBox="1">
+                    <a:spLocks noRot="1" noChangeAspect="1" noMove="1" noResize="1" noEditPoints="1" noAdjustHandles="1" noChangeArrowheads="1" noChangeShapeType="1" noTextEdit="1"/>
+                  </p:cNvSpPr>
+                  <p:nvPr/>
+                </p:nvSpPr>
+                <p:spPr>
+                  <a:xfrm>
+                    <a:off x="6283720" y="2955753"/>
+                    <a:ext cx="532051" cy="246221"/>
+                  </a:xfrm>
+                  <a:prstGeom prst="rect">
+                    <a:avLst/>
+                  </a:prstGeom>
+                  <a:blipFill>
+                    <a:blip r:embed="rId5"/>
+                    <a:stretch>
+                      <a:fillRect/>
+                    </a:stretch>
+                  </a:blipFill>
+                </p:spPr>
+                <p:txBody>
+                  <a:bodyPr/>
+                  <a:lstStyle/>
+                  <a:p>
+                    <a:r>
+                      <a:rPr lang="en-GB">
+                        <a:noFill/>
+                      </a:rPr>
+                      <a:t> </a:t>
+                    </a:r>
+                  </a:p>
+                </p:txBody>
+              </p:sp>
+            </mc:Fallback>
+          </mc:AlternateContent>
+        </p:grpSp>
+      </p:grpSp>
+    </p:spTree>
+    <p:extLst>
+      <p:ext uri="{BB962C8B-B14F-4D97-AF65-F5344CB8AC3E}">
+        <p14:creationId xmlns:p14="http://schemas.microsoft.com/office/powerpoint/2010/main" val="547682089"/>
+      </p:ext>
+    </p:extLst>
+  </p:cSld>
+  <p:clrMapOvr>
+    <a:masterClrMapping/>
+  </p:clrMapOvr>
+</p:sld>
+</file>
+
+<file path=ppt/slides/slide3.xml><?xml version="1.0" encoding="utf-8"?>
+<p:sld xmlns:a="http://schemas.openxmlformats.org/drawingml/2006/main" xmlns:r="http://schemas.openxmlformats.org/officeDocument/2006/relationships" xmlns:p="http://schemas.openxmlformats.org/presentationml/2006/main">
+  <p:cSld>
+    <p:spTree>
+      <p:nvGrpSpPr>
+        <p:cNvPr id="1" name=""/>
+        <p:cNvGrpSpPr/>
+        <p:nvPr/>
+      </p:nvGrpSpPr>
+      <p:grpSpPr>
+        <a:xfrm>
+          <a:off x="0" y="0"/>
+          <a:ext cx="0" cy="0"/>
+          <a:chOff x="0" y="0"/>
+          <a:chExt cx="0" cy="0"/>
+        </a:xfrm>
+      </p:grpSpPr>
       <p:sp>
         <p:nvSpPr>
           <p:cNvPr id="63" name="Ellipse 62">
@@ -5347,7 +6773,7 @@
 </p:sld>
 </file>
 
-<file path=ppt/slides/slide3.xml><?xml version="1.0" encoding="utf-8"?>
+<file path=ppt/slides/slide4.xml><?xml version="1.0" encoding="utf-8"?>
 <p:sld xmlns:a="http://schemas.openxmlformats.org/drawingml/2006/main" xmlns:r="http://schemas.openxmlformats.org/officeDocument/2006/relationships" xmlns:p="http://schemas.openxmlformats.org/presentationml/2006/main">
   <p:cSld>
     <p:spTree>
@@ -6179,6 +7605,74 @@
     <p:extLst>
       <p:ext uri="{BB962C8B-B14F-4D97-AF65-F5344CB8AC3E}">
         <p14:creationId xmlns:p14="http://schemas.microsoft.com/office/powerpoint/2010/main" val="2765859416"/>
+      </p:ext>
+    </p:extLst>
+  </p:cSld>
+  <p:clrMapOvr>
+    <a:masterClrMapping/>
+  </p:clrMapOvr>
+</p:sld>
+</file>
+
+<file path=ppt/slides/slide5.xml><?xml version="1.0" encoding="utf-8"?>
+<p:sld xmlns:a="http://schemas.openxmlformats.org/drawingml/2006/main" xmlns:r="http://schemas.openxmlformats.org/officeDocument/2006/relationships" xmlns:p="http://schemas.openxmlformats.org/presentationml/2006/main">
+  <p:cSld>
+    <p:spTree>
+      <p:nvGrpSpPr>
+        <p:cNvPr id="1" name=""/>
+        <p:cNvGrpSpPr/>
+        <p:nvPr/>
+      </p:nvGrpSpPr>
+      <p:grpSpPr>
+        <a:xfrm>
+          <a:off x="0" y="0"/>
+          <a:ext cx="0" cy="0"/>
+          <a:chOff x="0" y="0"/>
+          <a:chExt cx="0" cy="0"/>
+        </a:xfrm>
+      </p:grpSpPr>
+      <p:pic>
+        <p:nvPicPr>
+          <p:cNvPr id="5" name="Grafik 4">
+            <a:extLst>
+              <a:ext uri="{FF2B5EF4-FFF2-40B4-BE49-F238E27FC236}">
+                <a16:creationId xmlns:a16="http://schemas.microsoft.com/office/drawing/2014/main" id="{B370A674-ED61-BFEF-6DFF-460B43BEBC6E}"/>
+              </a:ext>
+            </a:extLst>
+          </p:cNvPr>
+          <p:cNvPicPr>
+            <a:picLocks noChangeAspect="1"/>
+          </p:cNvPicPr>
+          <p:nvPr/>
+        </p:nvPicPr>
+        <p:blipFill rotWithShape="1">
+          <a:blip r:embed="rId2">
+            <a:extLst>
+              <a:ext uri="{28A0092B-C50C-407E-A947-70E740481C1C}">
+                <a14:useLocalDpi xmlns:a14="http://schemas.microsoft.com/office/drawing/2010/main" val="0"/>
+              </a:ext>
+              <a:ext uri="{96DAC541-7B7A-43D3-8B79-37D633B846F1}">
+                <asvg:svgBlip xmlns:asvg="http://schemas.microsoft.com/office/drawing/2016/SVG/main" r:embed="rId3"/>
+              </a:ext>
+            </a:extLst>
+          </a:blip>
+          <a:srcRect l="38130" b="38026"/>
+          <a:stretch/>
+        </p:blipFill>
+        <p:spPr>
+          <a:xfrm>
+            <a:off x="4147718" y="1046074"/>
+            <a:ext cx="4245180" cy="4250131"/>
+          </a:xfrm>
+          <a:prstGeom prst="rect">
+            <a:avLst/>
+          </a:prstGeom>
+        </p:spPr>
+      </p:pic>
+    </p:spTree>
+    <p:extLst>
+      <p:ext uri="{BB962C8B-B14F-4D97-AF65-F5344CB8AC3E}">
+        <p14:creationId xmlns:p14="http://schemas.microsoft.com/office/powerpoint/2010/main" val="3565622246"/>
       </p:ext>
     </p:extLst>
   </p:cSld>
